--- a/Case Study 1/Case Study - CPE22S3 - Pathway 301.pptx
+++ b/Case Study 1/Case Study - CPE22S3 - Pathway 301.pptx
@@ -11,17 +11,19 @@
     <p:sldId id="259" r:id="rId9"/>
     <p:sldId id="260" r:id="rId10"/>
     <p:sldId id="261" r:id="rId11"/>
+    <p:sldId id="262" r:id="rId12"/>
+    <p:sldId id="263" r:id="rId13"/>
   </p:sldIdLst>
   <p:sldSz cx="18288000" cy="10287000"/>
   <p:notesSz cx="6858000" cy="9144000"/>
   <p:embeddedFontLst>
     <p:embeddedFont>
       <p:font typeface="Times New Roman Bold" charset="1" panose="02030802070405020303"/>
-      <p:regular r:id="rId12"/>
+      <p:regular r:id="rId14"/>
     </p:embeddedFont>
     <p:embeddedFont>
       <p:font typeface="Times New Roman" charset="1" panose="02030502070405020303"/>
-      <p:regular r:id="rId13"/>
+      <p:regular r:id="rId15"/>
     </p:embeddedFont>
   </p:embeddedFontLst>
   <p:defaultTextStyle>
@@ -3206,85 +3208,13 @@
       </p:grpSp>
       <p:sp>
         <p:nvSpPr>
-          <p:cNvPr name="AutoShape 5" id="5"/>
-          <p:cNvSpPr/>
-          <p:nvPr/>
-        </p:nvSpPr>
-        <p:spPr>
-          <a:xfrm>
-            <a:off x="9130953" y="5143500"/>
-            <a:ext cx="2255011" cy="0"/>
-          </a:xfrm>
-          <a:prstGeom prst="line">
-            <a:avLst/>
-          </a:prstGeom>
-          <a:ln cap="flat" w="38100">
-            <a:solidFill>
-              <a:srgbClr val="000000"/>
-            </a:solidFill>
-            <a:prstDash val="sysDot"/>
-            <a:headEnd type="none" len="sm" w="sm"/>
-            <a:tailEnd type="arrow" len="sm" w="med"/>
-          </a:ln>
-        </p:spPr>
-      </p:sp>
-      <p:sp>
-        <p:nvSpPr>
-          <p:cNvPr name="AutoShape 6" id="6"/>
-          <p:cNvSpPr/>
-          <p:nvPr/>
-        </p:nvSpPr>
-        <p:spPr>
-          <a:xfrm>
-            <a:off x="9130953" y="5143500"/>
-            <a:ext cx="2255011" cy="3040576"/>
-          </a:xfrm>
-          <a:prstGeom prst="line">
-            <a:avLst/>
-          </a:prstGeom>
-          <a:ln cap="flat" w="38100">
-            <a:solidFill>
-              <a:srgbClr val="000000"/>
-            </a:solidFill>
-            <a:prstDash val="sysDot"/>
-            <a:headEnd type="none" len="sm" w="sm"/>
-            <a:tailEnd type="arrow" len="sm" w="med"/>
-          </a:ln>
-        </p:spPr>
-      </p:sp>
-      <p:sp>
-        <p:nvSpPr>
-          <p:cNvPr name="AutoShape 7" id="7"/>
-          <p:cNvSpPr/>
-          <p:nvPr/>
-        </p:nvSpPr>
-        <p:spPr>
-          <a:xfrm flipV="true">
-            <a:off x="9130953" y="2102924"/>
-            <a:ext cx="2255011" cy="3040576"/>
-          </a:xfrm>
-          <a:prstGeom prst="line">
-            <a:avLst/>
-          </a:prstGeom>
-          <a:ln cap="flat" w="38100">
-            <a:solidFill>
-              <a:srgbClr val="000000"/>
-            </a:solidFill>
-            <a:prstDash val="sysDot"/>
-            <a:headEnd type="none" len="sm" w="sm"/>
-            <a:tailEnd type="arrow" len="sm" w="med"/>
-          </a:ln>
-        </p:spPr>
-      </p:sp>
-      <p:sp>
-        <p:nvSpPr>
-          <p:cNvPr name="TextBox 8" id="8"/>
+          <p:cNvPr name="TextBox 5" id="5"/>
           <p:cNvSpPr txBox="true"/>
           <p:nvPr/>
         </p:nvSpPr>
         <p:spPr>
           <a:xfrm rot="0">
-            <a:off x="1317234" y="676275"/>
+            <a:off x="6576566" y="250450"/>
             <a:ext cx="5134868" cy="1747519"/>
           </a:xfrm>
           <a:prstGeom prst="rect">
@@ -3312,90 +3242,49 @@
                 <a:cs typeface="Times New Roman Bold"/>
                 <a:sym typeface="Times New Roman Bold"/>
               </a:rPr>
-              <a:t>Iteration 1</a:t>
-            </a:r>
-          </a:p>
-        </p:txBody>
-      </p:sp>
-      <p:sp>
-        <p:nvSpPr>
-          <p:cNvPr name="TextBox 9" id="9"/>
-          <p:cNvSpPr txBox="true"/>
-          <p:nvPr/>
-        </p:nvSpPr>
-        <p:spPr>
-          <a:xfrm rot="0">
-            <a:off x="1317234" y="8266430"/>
-            <a:ext cx="5187255" cy="991870"/>
-          </a:xfrm>
-          <a:prstGeom prst="rect">
-            <a:avLst/>
-          </a:prstGeom>
-        </p:spPr>
-        <p:txBody>
-          <a:bodyPr anchor="t" rtlCol="false" tIns="0" lIns="0" bIns="0" rIns="0">
-            <a:spAutoFit/>
-          </a:bodyPr>
-          <a:lstStyle/>
-          <a:p>
-            <a:pPr algn="ctr">
-              <a:lnSpc>
-                <a:spcPts val="7279"/>
-              </a:lnSpc>
-            </a:pPr>
-            <a:r>
-              <a:rPr lang="en-US" sz="5199" b="true">
-                <a:solidFill>
-                  <a:srgbClr val="38B6FF"/>
-                </a:solidFill>
-                <a:latin typeface="Times New Roman Bold"/>
-                <a:ea typeface="Times New Roman Bold"/>
-                <a:cs typeface="Times New Roman Bold"/>
-                <a:sym typeface="Times New Roman Bold"/>
-              </a:rPr>
-              <a:t>Graphic Organizer</a:t>
+              <a:t>Iteration 0</a:t>
             </a:r>
           </a:p>
         </p:txBody>
       </p:sp>
       <p:grpSp>
         <p:nvGrpSpPr>
-          <p:cNvPr name="Group 10" id="10"/>
+          <p:cNvPr name="Group 6" id="6"/>
           <p:cNvGrpSpPr/>
           <p:nvPr/>
         </p:nvGrpSpPr>
         <p:grpSpPr>
           <a:xfrm rot="0">
-            <a:off x="1317234" y="2995051"/>
-            <a:ext cx="7813719" cy="4296898"/>
+            <a:off x="2493968" y="2093220"/>
+            <a:ext cx="12971652" cy="5005649"/>
             <a:chOff x="0" y="0"/>
-            <a:chExt cx="10418292" cy="5729197"/>
+            <a:chExt cx="17295536" cy="6674198"/>
           </a:xfrm>
         </p:grpSpPr>
         <p:grpSp>
           <p:nvGrpSpPr>
-            <p:cNvPr name="Group 11" id="11"/>
+            <p:cNvPr name="Group 7" id="7"/>
             <p:cNvGrpSpPr/>
             <p:nvPr/>
           </p:nvGrpSpPr>
           <p:grpSpPr>
             <a:xfrm rot="0">
               <a:off x="0" y="0"/>
-              <a:ext cx="10418292" cy="5729197"/>
+              <a:ext cx="17295536" cy="6674198"/>
               <a:chOff x="0" y="0"/>
-              <a:chExt cx="2057934" cy="1131693"/>
+              <a:chExt cx="2932673" cy="1131693"/>
             </a:xfrm>
           </p:grpSpPr>
           <p:sp>
             <p:nvSpPr>
-              <p:cNvPr name="Freeform 12" id="12"/>
+              <p:cNvPr name="Freeform 8" id="8"/>
               <p:cNvSpPr/>
               <p:nvPr/>
             </p:nvSpPr>
             <p:spPr>
               <a:xfrm flipH="false" flipV="false" rot="0">
                 <a:off x="0" y="0"/>
-                <a:ext cx="2057934" cy="1131693"/>
+                <a:ext cx="2932673" cy="1131693"/>
               </a:xfrm>
               <a:custGeom>
                 <a:avLst/>
@@ -3404,51 +3293,61 @@
                 <a:cxnLst/>
                 <a:rect r="r" b="b" t="t" l="l"/>
                 <a:pathLst>
-                  <a:path h="1131693" w="2057934">
+                  <a:path h="1131693" w="2932673">
                     <a:moveTo>
-                      <a:pt x="50531" y="0"/>
+                      <a:pt x="35459" y="0"/>
                     </a:moveTo>
                     <a:lnTo>
-                      <a:pt x="2007403" y="0"/>
+                      <a:pt x="2897214" y="0"/>
                     </a:lnTo>
                     <a:cubicBezTo>
-                      <a:pt x="2035311" y="0"/>
-                      <a:pt x="2057934" y="22624"/>
-                      <a:pt x="2057934" y="50531"/>
+                      <a:pt x="2906618" y="0"/>
+                      <a:pt x="2915637" y="3736"/>
+                      <a:pt x="2922287" y="10386"/>
+                    </a:cubicBezTo>
+                    <a:cubicBezTo>
+                      <a:pt x="2928937" y="17036"/>
+                      <a:pt x="2932673" y="26055"/>
+                      <a:pt x="2932673" y="35459"/>
                     </a:cubicBezTo>
                     <a:lnTo>
-                      <a:pt x="2057934" y="1081162"/>
+                      <a:pt x="2932673" y="1096234"/>
                     </a:lnTo>
                     <a:cubicBezTo>
-                      <a:pt x="2057934" y="1109070"/>
-                      <a:pt x="2035311" y="1131693"/>
-                      <a:pt x="2007403" y="1131693"/>
+                      <a:pt x="2932673" y="1105638"/>
+                      <a:pt x="2928937" y="1114658"/>
+                      <a:pt x="2922287" y="1121307"/>
+                    </a:cubicBezTo>
+                    <a:cubicBezTo>
+                      <a:pt x="2915637" y="1127957"/>
+                      <a:pt x="2906618" y="1131693"/>
+                      <a:pt x="2897214" y="1131693"/>
                     </a:cubicBezTo>
                     <a:lnTo>
-                      <a:pt x="50531" y="1131693"/>
+                      <a:pt x="35459" y="1131693"/>
                     </a:lnTo>
                     <a:cubicBezTo>
-                      <a:pt x="37130" y="1131693"/>
-                      <a:pt x="24277" y="1126369"/>
-                      <a:pt x="14800" y="1116893"/>
-                    </a:cubicBezTo>
-                    <a:cubicBezTo>
-                      <a:pt x="5324" y="1107416"/>
-                      <a:pt x="0" y="1094564"/>
-                      <a:pt x="0" y="1081162"/>
+                      <a:pt x="26055" y="1131693"/>
+                      <a:pt x="17036" y="1127957"/>
+                      <a:pt x="10386" y="1121307"/>
+                    </a:cubicBezTo>
+                    <a:cubicBezTo>
+                      <a:pt x="3736" y="1114658"/>
+                      <a:pt x="0" y="1105638"/>
+                      <a:pt x="0" y="1096234"/>
                     </a:cubicBezTo>
                     <a:lnTo>
-                      <a:pt x="0" y="50531"/>
+                      <a:pt x="0" y="35459"/>
                     </a:lnTo>
                     <a:cubicBezTo>
-                      <a:pt x="0" y="37130"/>
-                      <a:pt x="5324" y="24277"/>
-                      <a:pt x="14800" y="14800"/>
-                    </a:cubicBezTo>
-                    <a:cubicBezTo>
-                      <a:pt x="24277" y="5324"/>
-                      <a:pt x="37130" y="0"/>
-                      <a:pt x="50531" y="0"/>
+                      <a:pt x="0" y="26055"/>
+                      <a:pt x="3736" y="17036"/>
+                      <a:pt x="10386" y="10386"/>
+                    </a:cubicBezTo>
+                    <a:cubicBezTo>
+                      <a:pt x="17036" y="3736"/>
+                      <a:pt x="26055" y="0"/>
+                      <a:pt x="35459" y="0"/>
                     </a:cubicBezTo>
                     <a:close/>
                   </a:path>
@@ -3468,14 +3367,14 @@
           </p:sp>
           <p:sp>
             <p:nvSpPr>
-              <p:cNvPr name="TextBox 13" id="13"/>
+              <p:cNvPr name="TextBox 9" id="9"/>
               <p:cNvSpPr txBox="true"/>
               <p:nvPr/>
             </p:nvSpPr>
             <p:spPr>
               <a:xfrm>
                 <a:off x="0" y="-38100"/>
-                <a:ext cx="2057934" cy="1169793"/>
+                <a:ext cx="2932673" cy="1169793"/>
               </a:xfrm>
               <a:prstGeom prst="rect">
                 <a:avLst/>
@@ -3496,14 +3395,14 @@
         </p:grpSp>
         <p:sp>
           <p:nvSpPr>
-            <p:cNvPr name="TextBox 14" id="14"/>
+            <p:cNvPr name="TextBox 10" id="10"/>
             <p:cNvSpPr txBox="true"/>
             <p:nvPr/>
           </p:nvSpPr>
           <p:spPr>
             <a:xfrm rot="0">
-              <a:off x="3738129" y="-12473"/>
-              <a:ext cx="2942034" cy="434340"/>
+              <a:off x="6205714" y="-11487"/>
+              <a:ext cx="4884108" cy="502939"/>
             </a:xfrm>
             <a:prstGeom prst="rect">
               <a:avLst/>
@@ -3517,584 +3416,23 @@
             <a:p>
               <a:pPr algn="ctr">
                 <a:lnSpc>
-                  <a:spcPts val="2519"/>
+                  <a:spcPts val="2935"/>
                 </a:lnSpc>
               </a:pPr>
-              <a:r>
-                <a:rPr lang="en-US" sz="1799">
-                  <a:solidFill>
-                    <a:srgbClr val="000000"/>
-                  </a:solidFill>
-                  <a:latin typeface="Times New Roman"/>
-                  <a:ea typeface="Times New Roman"/>
-                  <a:cs typeface="Times New Roman"/>
-                  <a:sym typeface="Times New Roman"/>
-                </a:rPr>
-                <a:t>Problem Identification</a:t>
-              </a:r>
             </a:p>
           </p:txBody>
         </p:sp>
       </p:grpSp>
-      <p:grpSp>
-        <p:nvGrpSpPr>
-          <p:cNvPr name="Group 15" id="15"/>
-          <p:cNvGrpSpPr/>
-          <p:nvPr/>
-        </p:nvGrpSpPr>
-        <p:grpSpPr>
-          <a:xfrm rot="0">
-            <a:off x="11385963" y="4069276"/>
-            <a:ext cx="5873337" cy="2148449"/>
-            <a:chOff x="0" y="0"/>
-            <a:chExt cx="7831115" cy="2864598"/>
-          </a:xfrm>
-        </p:grpSpPr>
-        <p:grpSp>
-          <p:nvGrpSpPr>
-            <p:cNvPr name="Group 16" id="16"/>
-            <p:cNvGrpSpPr/>
-            <p:nvPr/>
-          </p:nvGrpSpPr>
-          <p:grpSpPr>
-            <a:xfrm rot="0">
-              <a:off x="0" y="0"/>
-              <a:ext cx="7831115" cy="2864598"/>
-              <a:chOff x="0" y="0"/>
-              <a:chExt cx="1546887" cy="565847"/>
-            </a:xfrm>
-          </p:grpSpPr>
-          <p:sp>
-            <p:nvSpPr>
-              <p:cNvPr name="Freeform 17" id="17"/>
-              <p:cNvSpPr/>
-              <p:nvPr/>
-            </p:nvSpPr>
-            <p:spPr>
-              <a:xfrm flipH="false" flipV="false" rot="0">
-                <a:off x="0" y="0"/>
-                <a:ext cx="1546887" cy="565847"/>
-              </a:xfrm>
-              <a:custGeom>
-                <a:avLst/>
-                <a:gdLst/>
-                <a:ahLst/>
-                <a:cxnLst/>
-                <a:rect r="r" b="b" t="t" l="l"/>
-                <a:pathLst>
-                  <a:path h="565847" w="1546887">
-                    <a:moveTo>
-                      <a:pt x="67225" y="0"/>
-                    </a:moveTo>
-                    <a:lnTo>
-                      <a:pt x="1479662" y="0"/>
-                    </a:lnTo>
-                    <a:cubicBezTo>
-                      <a:pt x="1516789" y="0"/>
-                      <a:pt x="1546887" y="30098"/>
-                      <a:pt x="1546887" y="67225"/>
-                    </a:cubicBezTo>
-                    <a:lnTo>
-                      <a:pt x="1546887" y="498621"/>
-                    </a:lnTo>
-                    <a:cubicBezTo>
-                      <a:pt x="1546887" y="516450"/>
-                      <a:pt x="1539804" y="533550"/>
-                      <a:pt x="1527197" y="546157"/>
-                    </a:cubicBezTo>
-                    <a:cubicBezTo>
-                      <a:pt x="1514590" y="558764"/>
-                      <a:pt x="1497491" y="565847"/>
-                      <a:pt x="1479662" y="565847"/>
-                    </a:cubicBezTo>
-                    <a:lnTo>
-                      <a:pt x="67225" y="565847"/>
-                    </a:lnTo>
-                    <a:cubicBezTo>
-                      <a:pt x="49396" y="565847"/>
-                      <a:pt x="32297" y="558764"/>
-                      <a:pt x="19690" y="546157"/>
-                    </a:cubicBezTo>
-                    <a:cubicBezTo>
-                      <a:pt x="7083" y="533550"/>
-                      <a:pt x="0" y="516450"/>
-                      <a:pt x="0" y="498621"/>
-                    </a:cubicBezTo>
-                    <a:lnTo>
-                      <a:pt x="0" y="67225"/>
-                    </a:lnTo>
-                    <a:cubicBezTo>
-                      <a:pt x="0" y="49396"/>
-                      <a:pt x="7083" y="32297"/>
-                      <a:pt x="19690" y="19690"/>
-                    </a:cubicBezTo>
-                    <a:cubicBezTo>
-                      <a:pt x="32297" y="7083"/>
-                      <a:pt x="49396" y="0"/>
-                      <a:pt x="67225" y="0"/>
-                    </a:cubicBezTo>
-                    <a:close/>
-                  </a:path>
-                </a:pathLst>
-              </a:custGeom>
-              <a:solidFill>
-                <a:srgbClr val="38B6FF"/>
-              </a:solidFill>
-              <a:ln w="19050" cap="rnd">
-                <a:solidFill>
-                  <a:srgbClr val="000000"/>
-                </a:solidFill>
-                <a:prstDash val="solid"/>
-                <a:round/>
-              </a:ln>
-            </p:spPr>
-          </p:sp>
-          <p:sp>
-            <p:nvSpPr>
-              <p:cNvPr name="TextBox 18" id="18"/>
-              <p:cNvSpPr txBox="true"/>
-              <p:nvPr/>
-            </p:nvSpPr>
-            <p:spPr>
-              <a:xfrm>
-                <a:off x="0" y="-38100"/>
-                <a:ext cx="1546887" cy="603947"/>
-              </a:xfrm>
-              <a:prstGeom prst="rect">
-                <a:avLst/>
-              </a:prstGeom>
-            </p:spPr>
-            <p:txBody>
-              <a:bodyPr anchor="ctr" rtlCol="false" tIns="50800" lIns="50800" bIns="50800" rIns="50800"/>
-              <a:lstStyle/>
-              <a:p>
-                <a:pPr algn="ctr">
-                  <a:lnSpc>
-                    <a:spcPts val="2659"/>
-                  </a:lnSpc>
-                </a:pPr>
-              </a:p>
-            </p:txBody>
-          </p:sp>
-        </p:grpSp>
-        <p:sp>
-          <p:nvSpPr>
-            <p:cNvPr name="TextBox 19" id="19"/>
-            <p:cNvSpPr txBox="true"/>
-            <p:nvPr/>
-          </p:nvSpPr>
-          <p:spPr>
-            <a:xfrm rot="0">
-              <a:off x="2601604" y="25400"/>
-              <a:ext cx="2627908" cy="434340"/>
-            </a:xfrm>
-            <a:prstGeom prst="rect">
-              <a:avLst/>
-            </a:prstGeom>
-          </p:spPr>
-          <p:txBody>
-            <a:bodyPr anchor="t" rtlCol="false" tIns="0" lIns="0" bIns="0" rIns="0">
-              <a:spAutoFit/>
-            </a:bodyPr>
-            <a:lstStyle/>
-            <a:p>
-              <a:pPr algn="ctr">
-                <a:lnSpc>
-                  <a:spcPts val="2519"/>
-                </a:lnSpc>
-              </a:pPr>
-              <a:r>
-                <a:rPr lang="en-US" sz="1799">
-                  <a:solidFill>
-                    <a:srgbClr val="000000"/>
-                  </a:solidFill>
-                  <a:latin typeface="Times New Roman"/>
-                  <a:ea typeface="Times New Roman"/>
-                  <a:cs typeface="Times New Roman"/>
-                  <a:sym typeface="Times New Roman"/>
-                </a:rPr>
-                <a:t>Pattern Recognition</a:t>
-              </a:r>
-            </a:p>
-          </p:txBody>
-        </p:sp>
-      </p:grpSp>
-      <p:grpSp>
-        <p:nvGrpSpPr>
-          <p:cNvPr name="Group 20" id="20"/>
-          <p:cNvGrpSpPr/>
-          <p:nvPr/>
-        </p:nvGrpSpPr>
-        <p:grpSpPr>
-          <a:xfrm rot="0">
-            <a:off x="11385963" y="1028700"/>
-            <a:ext cx="5873337" cy="2148449"/>
-            <a:chOff x="0" y="0"/>
-            <a:chExt cx="7831115" cy="2864598"/>
-          </a:xfrm>
-        </p:grpSpPr>
-        <p:grpSp>
-          <p:nvGrpSpPr>
-            <p:cNvPr name="Group 21" id="21"/>
-            <p:cNvGrpSpPr/>
-            <p:nvPr/>
-          </p:nvGrpSpPr>
-          <p:grpSpPr>
-            <a:xfrm rot="0">
-              <a:off x="0" y="0"/>
-              <a:ext cx="7831115" cy="2864598"/>
-              <a:chOff x="0" y="0"/>
-              <a:chExt cx="1546887" cy="565847"/>
-            </a:xfrm>
-          </p:grpSpPr>
-          <p:sp>
-            <p:nvSpPr>
-              <p:cNvPr name="Freeform 22" id="22"/>
-              <p:cNvSpPr/>
-              <p:nvPr/>
-            </p:nvSpPr>
-            <p:spPr>
-              <a:xfrm flipH="false" flipV="false" rot="0">
-                <a:off x="0" y="0"/>
-                <a:ext cx="1546887" cy="565847"/>
-              </a:xfrm>
-              <a:custGeom>
-                <a:avLst/>
-                <a:gdLst/>
-                <a:ahLst/>
-                <a:cxnLst/>
-                <a:rect r="r" b="b" t="t" l="l"/>
-                <a:pathLst>
-                  <a:path h="565847" w="1546887">
-                    <a:moveTo>
-                      <a:pt x="67225" y="0"/>
-                    </a:moveTo>
-                    <a:lnTo>
-                      <a:pt x="1479662" y="0"/>
-                    </a:lnTo>
-                    <a:cubicBezTo>
-                      <a:pt x="1516789" y="0"/>
-                      <a:pt x="1546887" y="30098"/>
-                      <a:pt x="1546887" y="67225"/>
-                    </a:cubicBezTo>
-                    <a:lnTo>
-                      <a:pt x="1546887" y="498621"/>
-                    </a:lnTo>
-                    <a:cubicBezTo>
-                      <a:pt x="1546887" y="516450"/>
-                      <a:pt x="1539804" y="533550"/>
-                      <a:pt x="1527197" y="546157"/>
-                    </a:cubicBezTo>
-                    <a:cubicBezTo>
-                      <a:pt x="1514590" y="558764"/>
-                      <a:pt x="1497491" y="565847"/>
-                      <a:pt x="1479662" y="565847"/>
-                    </a:cubicBezTo>
-                    <a:lnTo>
-                      <a:pt x="67225" y="565847"/>
-                    </a:lnTo>
-                    <a:cubicBezTo>
-                      <a:pt x="49396" y="565847"/>
-                      <a:pt x="32297" y="558764"/>
-                      <a:pt x="19690" y="546157"/>
-                    </a:cubicBezTo>
-                    <a:cubicBezTo>
-                      <a:pt x="7083" y="533550"/>
-                      <a:pt x="0" y="516450"/>
-                      <a:pt x="0" y="498621"/>
-                    </a:cubicBezTo>
-                    <a:lnTo>
-                      <a:pt x="0" y="67225"/>
-                    </a:lnTo>
-                    <a:cubicBezTo>
-                      <a:pt x="0" y="49396"/>
-                      <a:pt x="7083" y="32297"/>
-                      <a:pt x="19690" y="19690"/>
-                    </a:cubicBezTo>
-                    <a:cubicBezTo>
-                      <a:pt x="32297" y="7083"/>
-                      <a:pt x="49396" y="0"/>
-                      <a:pt x="67225" y="0"/>
-                    </a:cubicBezTo>
-                    <a:close/>
-                  </a:path>
-                </a:pathLst>
-              </a:custGeom>
-              <a:solidFill>
-                <a:srgbClr val="38B6FF"/>
-              </a:solidFill>
-              <a:ln w="19050" cap="rnd">
-                <a:solidFill>
-                  <a:srgbClr val="000000"/>
-                </a:solidFill>
-                <a:prstDash val="solid"/>
-                <a:round/>
-              </a:ln>
-            </p:spPr>
-          </p:sp>
-          <p:sp>
-            <p:nvSpPr>
-              <p:cNvPr name="TextBox 23" id="23"/>
-              <p:cNvSpPr txBox="true"/>
-              <p:nvPr/>
-            </p:nvSpPr>
-            <p:spPr>
-              <a:xfrm>
-                <a:off x="0" y="-38100"/>
-                <a:ext cx="1546887" cy="603947"/>
-              </a:xfrm>
-              <a:prstGeom prst="rect">
-                <a:avLst/>
-              </a:prstGeom>
-            </p:spPr>
-            <p:txBody>
-              <a:bodyPr anchor="ctr" rtlCol="false" tIns="50800" lIns="50800" bIns="50800" rIns="50800"/>
-              <a:lstStyle/>
-              <a:p>
-                <a:pPr algn="ctr">
-                  <a:lnSpc>
-                    <a:spcPts val="2659"/>
-                  </a:lnSpc>
-                </a:pPr>
-              </a:p>
-            </p:txBody>
-          </p:sp>
-        </p:grpSp>
-        <p:sp>
-          <p:nvSpPr>
-            <p:cNvPr name="TextBox 24" id="24"/>
-            <p:cNvSpPr txBox="true"/>
-            <p:nvPr/>
-          </p:nvSpPr>
-          <p:spPr>
-            <a:xfrm rot="0">
-              <a:off x="2918905" y="25661"/>
-              <a:ext cx="1993305" cy="434340"/>
-            </a:xfrm>
-            <a:prstGeom prst="rect">
-              <a:avLst/>
-            </a:prstGeom>
-          </p:spPr>
-          <p:txBody>
-            <a:bodyPr anchor="t" rtlCol="false" tIns="0" lIns="0" bIns="0" rIns="0">
-              <a:spAutoFit/>
-            </a:bodyPr>
-            <a:lstStyle/>
-            <a:p>
-              <a:pPr algn="ctr">
-                <a:lnSpc>
-                  <a:spcPts val="2519"/>
-                </a:lnSpc>
-              </a:pPr>
-              <a:r>
-                <a:rPr lang="en-US" sz="1799">
-                  <a:solidFill>
-                    <a:srgbClr val="000000"/>
-                  </a:solidFill>
-                  <a:latin typeface="Times New Roman"/>
-                  <a:ea typeface="Times New Roman"/>
-                  <a:cs typeface="Times New Roman"/>
-                  <a:sym typeface="Times New Roman"/>
-                </a:rPr>
-                <a:t>Decomposition</a:t>
-              </a:r>
-            </a:p>
-          </p:txBody>
-        </p:sp>
-      </p:grpSp>
-      <p:grpSp>
-        <p:nvGrpSpPr>
-          <p:cNvPr name="Group 25" id="25"/>
-          <p:cNvGrpSpPr/>
-          <p:nvPr/>
-        </p:nvGrpSpPr>
-        <p:grpSpPr>
-          <a:xfrm rot="0">
-            <a:off x="11385963" y="7109851"/>
-            <a:ext cx="5873337" cy="2148449"/>
-            <a:chOff x="0" y="0"/>
-            <a:chExt cx="7831115" cy="2864598"/>
-          </a:xfrm>
-        </p:grpSpPr>
-        <p:grpSp>
-          <p:nvGrpSpPr>
-            <p:cNvPr name="Group 26" id="26"/>
-            <p:cNvGrpSpPr/>
-            <p:nvPr/>
-          </p:nvGrpSpPr>
-          <p:grpSpPr>
-            <a:xfrm rot="0">
-              <a:off x="0" y="0"/>
-              <a:ext cx="7831115" cy="2864598"/>
-              <a:chOff x="0" y="0"/>
-              <a:chExt cx="1546887" cy="565847"/>
-            </a:xfrm>
-          </p:grpSpPr>
-          <p:sp>
-            <p:nvSpPr>
-              <p:cNvPr name="Freeform 27" id="27"/>
-              <p:cNvSpPr/>
-              <p:nvPr/>
-            </p:nvSpPr>
-            <p:spPr>
-              <a:xfrm flipH="false" flipV="false" rot="0">
-                <a:off x="0" y="0"/>
-                <a:ext cx="1546887" cy="565847"/>
-              </a:xfrm>
-              <a:custGeom>
-                <a:avLst/>
-                <a:gdLst/>
-                <a:ahLst/>
-                <a:cxnLst/>
-                <a:rect r="r" b="b" t="t" l="l"/>
-                <a:pathLst>
-                  <a:path h="565847" w="1546887">
-                    <a:moveTo>
-                      <a:pt x="67225" y="0"/>
-                    </a:moveTo>
-                    <a:lnTo>
-                      <a:pt x="1479662" y="0"/>
-                    </a:lnTo>
-                    <a:cubicBezTo>
-                      <a:pt x="1516789" y="0"/>
-                      <a:pt x="1546887" y="30098"/>
-                      <a:pt x="1546887" y="67225"/>
-                    </a:cubicBezTo>
-                    <a:lnTo>
-                      <a:pt x="1546887" y="498621"/>
-                    </a:lnTo>
-                    <a:cubicBezTo>
-                      <a:pt x="1546887" y="516450"/>
-                      <a:pt x="1539804" y="533550"/>
-                      <a:pt x="1527197" y="546157"/>
-                    </a:cubicBezTo>
-                    <a:cubicBezTo>
-                      <a:pt x="1514590" y="558764"/>
-                      <a:pt x="1497491" y="565847"/>
-                      <a:pt x="1479662" y="565847"/>
-                    </a:cubicBezTo>
-                    <a:lnTo>
-                      <a:pt x="67225" y="565847"/>
-                    </a:lnTo>
-                    <a:cubicBezTo>
-                      <a:pt x="49396" y="565847"/>
-                      <a:pt x="32297" y="558764"/>
-                      <a:pt x="19690" y="546157"/>
-                    </a:cubicBezTo>
-                    <a:cubicBezTo>
-                      <a:pt x="7083" y="533550"/>
-                      <a:pt x="0" y="516450"/>
-                      <a:pt x="0" y="498621"/>
-                    </a:cubicBezTo>
-                    <a:lnTo>
-                      <a:pt x="0" y="67225"/>
-                    </a:lnTo>
-                    <a:cubicBezTo>
-                      <a:pt x="0" y="49396"/>
-                      <a:pt x="7083" y="32297"/>
-                      <a:pt x="19690" y="19690"/>
-                    </a:cubicBezTo>
-                    <a:cubicBezTo>
-                      <a:pt x="32297" y="7083"/>
-                      <a:pt x="49396" y="0"/>
-                      <a:pt x="67225" y="0"/>
-                    </a:cubicBezTo>
-                    <a:close/>
-                  </a:path>
-                </a:pathLst>
-              </a:custGeom>
-              <a:solidFill>
-                <a:srgbClr val="38B6FF"/>
-              </a:solidFill>
-              <a:ln w="19050" cap="rnd">
-                <a:solidFill>
-                  <a:srgbClr val="000000"/>
-                </a:solidFill>
-                <a:prstDash val="solid"/>
-                <a:round/>
-              </a:ln>
-            </p:spPr>
-          </p:sp>
-          <p:sp>
-            <p:nvSpPr>
-              <p:cNvPr name="TextBox 28" id="28"/>
-              <p:cNvSpPr txBox="true"/>
-              <p:nvPr/>
-            </p:nvSpPr>
-            <p:spPr>
-              <a:xfrm>
-                <a:off x="0" y="-38100"/>
-                <a:ext cx="1546887" cy="603947"/>
-              </a:xfrm>
-              <a:prstGeom prst="rect">
-                <a:avLst/>
-              </a:prstGeom>
-            </p:spPr>
-            <p:txBody>
-              <a:bodyPr anchor="ctr" rtlCol="false" tIns="50800" lIns="50800" bIns="50800" rIns="50800"/>
-              <a:lstStyle/>
-              <a:p>
-                <a:pPr algn="ctr">
-                  <a:lnSpc>
-                    <a:spcPts val="2659"/>
-                  </a:lnSpc>
-                </a:pPr>
-              </a:p>
-            </p:txBody>
-          </p:sp>
-        </p:grpSp>
-        <p:sp>
-          <p:nvSpPr>
-            <p:cNvPr name="TextBox 29" id="29"/>
-            <p:cNvSpPr txBox="true"/>
-            <p:nvPr/>
-          </p:nvSpPr>
-          <p:spPr>
-            <a:xfrm rot="0">
-              <a:off x="3142842" y="29698"/>
-              <a:ext cx="1545431" cy="434340"/>
-            </a:xfrm>
-            <a:prstGeom prst="rect">
-              <a:avLst/>
-            </a:prstGeom>
-          </p:spPr>
-          <p:txBody>
-            <a:bodyPr anchor="t" rtlCol="false" tIns="0" lIns="0" bIns="0" rIns="0">
-              <a:spAutoFit/>
-            </a:bodyPr>
-            <a:lstStyle/>
-            <a:p>
-              <a:pPr algn="ctr">
-                <a:lnSpc>
-                  <a:spcPts val="2519"/>
-                </a:lnSpc>
-              </a:pPr>
-              <a:r>
-                <a:rPr lang="en-US" sz="1799">
-                  <a:solidFill>
-                    <a:srgbClr val="000000"/>
-                  </a:solidFill>
-                  <a:latin typeface="Times New Roman"/>
-                  <a:ea typeface="Times New Roman"/>
-                  <a:cs typeface="Times New Roman"/>
-                  <a:sym typeface="Times New Roman"/>
-                </a:rPr>
-                <a:t>Abstraction</a:t>
-              </a:r>
-            </a:p>
-          </p:txBody>
-        </p:sp>
-      </p:grpSp>
-      <p:sp>
-        <p:nvSpPr>
-          <p:cNvPr name="TextBox 30" id="30"/>
+      <p:sp>
+        <p:nvSpPr>
+          <p:cNvPr name="TextBox 11" id="11"/>
           <p:cNvSpPr txBox="true"/>
           <p:nvPr/>
         </p:nvSpPr>
         <p:spPr>
           <a:xfrm rot="0">
-            <a:off x="1524215" y="3431736"/>
-            <a:ext cx="7399756" cy="3414395"/>
+            <a:off x="4182269" y="7660843"/>
+            <a:ext cx="9897368" cy="1864361"/>
           </a:xfrm>
           <a:prstGeom prst="rect">
             <a:avLst/>
@@ -4108,34 +3446,53 @@
           <a:p>
             <a:pPr algn="l">
               <a:lnSpc>
-                <a:spcPts val="4480"/>
+                <a:spcPts val="6320"/>
               </a:lnSpc>
             </a:pPr>
             <a:r>
-              <a:rPr lang="en-US" sz="3200">
+              <a:rPr lang="en-US" sz="8000" b="true">
                 <a:solidFill>
-                  <a:srgbClr val="000000"/>
+                  <a:srgbClr val="38B6FF"/>
                 </a:solidFill>
-                <a:latin typeface="Times New Roman"/>
-                <a:ea typeface="Times New Roman"/>
-                <a:cs typeface="Times New Roman"/>
-                <a:sym typeface="Times New Roman"/>
+                <a:latin typeface="Times New Roman Bold"/>
+                <a:ea typeface="Times New Roman Bold"/>
+                <a:cs typeface="Times New Roman Bold"/>
+                <a:sym typeface="Times New Roman Bold"/>
               </a:rPr>
-              <a:t>The availability of some care services are not always accessible by people around the Philippines in terms of distance. Because of this the survival rate of some patient decreases due to the distance required to travel to a further care center.</a:t>
+              <a:t>De Guzman, Aero Kent</a:t>
+            </a:r>
+          </a:p>
+          <a:p>
+            <a:pPr algn="ctr">
+              <a:lnSpc>
+                <a:spcPts val="6320"/>
+              </a:lnSpc>
+            </a:pPr>
+            <a:r>
+              <a:rPr lang="en-US" sz="8000" b="true">
+                <a:solidFill>
+                  <a:srgbClr val="38B6FF"/>
+                </a:solidFill>
+                <a:latin typeface="Times New Roman Bold"/>
+                <a:ea typeface="Times New Roman Bold"/>
+                <a:cs typeface="Times New Roman Bold"/>
+                <a:sym typeface="Times New Roman Bold"/>
+              </a:rPr>
+              <a:t>Frederick Masangkay</a:t>
             </a:r>
           </a:p>
         </p:txBody>
       </p:sp>
       <p:sp>
         <p:nvSpPr>
-          <p:cNvPr name="TextBox 31" id="31"/>
+          <p:cNvPr name="TextBox 12" id="12"/>
           <p:cNvSpPr txBox="true"/>
           <p:nvPr/>
         </p:nvSpPr>
         <p:spPr>
           <a:xfrm rot="0">
-            <a:off x="11556404" y="1378384"/>
-            <a:ext cx="5532455" cy="1751140"/>
+            <a:off x="3396552" y="1902606"/>
+            <a:ext cx="11166483" cy="4882050"/>
           </a:xfrm>
           <a:prstGeom prst="rect">
             <a:avLst/>
@@ -4147,230 +3504,22 @@
           </a:bodyPr>
           <a:lstStyle/>
           <a:p>
-            <a:pPr algn="l" marL="353666" indent="-176833" lvl="1">
+            <a:pPr algn="ctr">
               <a:lnSpc>
-                <a:spcPts val="2293"/>
+                <a:spcPts val="18591"/>
               </a:lnSpc>
-              <a:buFont typeface="Arial"/>
-              <a:buChar char="•"/>
             </a:pPr>
             <a:r>
-              <a:rPr lang="en-US" sz="1638">
+              <a:rPr lang="en-US" sz="13279" b="true">
                 <a:solidFill>
                   <a:srgbClr val="000000"/>
                 </a:solidFill>
-                <a:latin typeface="Times New Roman"/>
-                <a:ea typeface="Times New Roman"/>
-                <a:cs typeface="Times New Roman"/>
-                <a:sym typeface="Times New Roman"/>
+                <a:latin typeface="Times New Roman Bold"/>
+                <a:ea typeface="Times New Roman Bold"/>
+                <a:cs typeface="Times New Roman Bold"/>
+                <a:sym typeface="Times New Roman Bold"/>
               </a:rPr>
-              <a:t>The geographical location of an individual.</a:t>
-            </a:r>
-          </a:p>
-          <a:p>
-            <a:pPr algn="l" marL="353666" indent="-176833" lvl="1">
-              <a:lnSpc>
-                <a:spcPts val="2293"/>
-              </a:lnSpc>
-              <a:buFont typeface="Arial"/>
-              <a:buChar char="•"/>
-            </a:pPr>
-            <a:r>
-              <a:rPr lang="en-US" sz="1638">
-                <a:solidFill>
-                  <a:srgbClr val="000000"/>
-                </a:solidFill>
-                <a:latin typeface="Times New Roman"/>
-                <a:ea typeface="Times New Roman"/>
-                <a:cs typeface="Times New Roman"/>
-                <a:sym typeface="Times New Roman"/>
-              </a:rPr>
-              <a:t>The type of illness that a person may have</a:t>
-            </a:r>
-          </a:p>
-          <a:p>
-            <a:pPr algn="l" marL="353666" indent="-176833" lvl="1">
-              <a:lnSpc>
-                <a:spcPts val="2293"/>
-              </a:lnSpc>
-              <a:buFont typeface="Arial"/>
-              <a:buChar char="•"/>
-            </a:pPr>
-            <a:r>
-              <a:rPr lang="en-US" sz="1638">
-                <a:solidFill>
-                  <a:srgbClr val="000000"/>
-                </a:solidFill>
-                <a:latin typeface="Times New Roman"/>
-                <a:ea typeface="Times New Roman"/>
-                <a:cs typeface="Times New Roman"/>
-                <a:sym typeface="Times New Roman"/>
-              </a:rPr>
-              <a:t>The medium of transportation used to travel to their destination.</a:t>
-            </a:r>
-          </a:p>
-          <a:p>
-            <a:pPr algn="l" marL="353666" indent="-176833" lvl="1">
-              <a:lnSpc>
-                <a:spcPts val="2293"/>
-              </a:lnSpc>
-              <a:buFont typeface="Arial"/>
-              <a:buChar char="•"/>
-            </a:pPr>
-            <a:r>
-              <a:rPr lang="en-US" sz="1638">
-                <a:solidFill>
-                  <a:srgbClr val="000000"/>
-                </a:solidFill>
-                <a:latin typeface="Times New Roman"/>
-                <a:ea typeface="Times New Roman"/>
-                <a:cs typeface="Times New Roman"/>
-                <a:sym typeface="Times New Roman"/>
-              </a:rPr>
-              <a:t>A persons background, whether a civilian or an ambulance driver</a:t>
-            </a:r>
-          </a:p>
-        </p:txBody>
-      </p:sp>
-      <p:sp>
-        <p:nvSpPr>
-          <p:cNvPr name="TextBox 32" id="32"/>
-          <p:cNvSpPr txBox="true"/>
-          <p:nvPr/>
-        </p:nvSpPr>
-        <p:spPr>
-          <a:xfrm rot="0">
-            <a:off x="11556404" y="4274698"/>
-            <a:ext cx="5532455" cy="1728471"/>
-          </a:xfrm>
-          <a:prstGeom prst="rect">
-            <a:avLst/>
-          </a:prstGeom>
-        </p:spPr>
-        <p:txBody>
-          <a:bodyPr anchor="t" rtlCol="false" tIns="0" lIns="0" bIns="0" rIns="0">
-            <a:spAutoFit/>
-          </a:bodyPr>
-          <a:lstStyle/>
-          <a:p>
-            <a:pPr algn="l">
-              <a:lnSpc>
-                <a:spcPts val="4479"/>
-              </a:lnSpc>
-            </a:pPr>
-            <a:r>
-              <a:rPr lang="en-US" sz="3199">
-                <a:solidFill>
-                  <a:srgbClr val="000000"/>
-                </a:solidFill>
-                <a:latin typeface="Times New Roman"/>
-                <a:ea typeface="Times New Roman"/>
-                <a:cs typeface="Times New Roman"/>
-                <a:sym typeface="Times New Roman"/>
-              </a:rPr>
-              <a:t>The distance required poses a threat when it comes to the survival of an patient.</a:t>
-            </a:r>
-          </a:p>
-        </p:txBody>
-      </p:sp>
-      <p:sp>
-        <p:nvSpPr>
-          <p:cNvPr name="TextBox 33" id="33"/>
-          <p:cNvSpPr txBox="true"/>
-          <p:nvPr/>
-        </p:nvSpPr>
-        <p:spPr>
-          <a:xfrm rot="0">
-            <a:off x="11726845" y="7557548"/>
-            <a:ext cx="5532455" cy="1175782"/>
-          </a:xfrm>
-          <a:prstGeom prst="rect">
-            <a:avLst/>
-          </a:prstGeom>
-        </p:spPr>
-        <p:txBody>
-          <a:bodyPr anchor="t" rtlCol="false" tIns="0" lIns="0" bIns="0" rIns="0">
-            <a:spAutoFit/>
-          </a:bodyPr>
-          <a:lstStyle/>
-          <a:p>
-            <a:pPr algn="l">
-              <a:lnSpc>
-                <a:spcPts val="2293"/>
-              </a:lnSpc>
-            </a:pPr>
-            <a:r>
-              <a:rPr lang="en-US" sz="1638">
-                <a:solidFill>
-                  <a:srgbClr val="000000"/>
-                </a:solidFill>
-                <a:latin typeface="Times New Roman"/>
-                <a:ea typeface="Times New Roman"/>
-                <a:cs typeface="Times New Roman"/>
-                <a:sym typeface="Times New Roman"/>
-              </a:rPr>
-              <a:t>Relevant : Illness, Distance, Transportation</a:t>
-            </a:r>
-          </a:p>
-          <a:p>
-            <a:pPr algn="l">
-              <a:lnSpc>
-                <a:spcPts val="2293"/>
-              </a:lnSpc>
-            </a:pPr>
-            <a:r>
-              <a:rPr lang="en-US" sz="1638">
-                <a:solidFill>
-                  <a:srgbClr val="000000"/>
-                </a:solidFill>
-                <a:latin typeface="Times New Roman"/>
-                <a:ea typeface="Times New Roman"/>
-                <a:cs typeface="Times New Roman"/>
-                <a:sym typeface="Times New Roman"/>
-              </a:rPr>
-              <a:t>Irrelevant : </a:t>
-            </a:r>
-          </a:p>
-          <a:p>
-            <a:pPr algn="l" marL="353666" indent="-176833" lvl="1">
-              <a:lnSpc>
-                <a:spcPts val="2293"/>
-              </a:lnSpc>
-              <a:buFont typeface="Arial"/>
-              <a:buChar char="•"/>
-            </a:pPr>
-            <a:r>
-              <a:rPr lang="en-US" sz="1638">
-                <a:solidFill>
-                  <a:srgbClr val="000000"/>
-                </a:solidFill>
-                <a:latin typeface="Times New Roman"/>
-                <a:ea typeface="Times New Roman"/>
-                <a:cs typeface="Times New Roman"/>
-                <a:sym typeface="Times New Roman"/>
-              </a:rPr>
-              <a:t>Situation of the road, whether traffic or not.</a:t>
-            </a:r>
-          </a:p>
-          <a:p>
-            <a:pPr algn="l" marL="353666" indent="-176833" lvl="1">
-              <a:lnSpc>
-                <a:spcPts val="2293"/>
-              </a:lnSpc>
-              <a:buFont typeface="Arial"/>
-              <a:buChar char="•"/>
-            </a:pPr>
-            <a:r>
-              <a:rPr lang="en-US" sz="1638">
-                <a:solidFill>
-                  <a:srgbClr val="000000"/>
-                </a:solidFill>
-                <a:latin typeface="Times New Roman"/>
-                <a:ea typeface="Times New Roman"/>
-                <a:cs typeface="Times New Roman"/>
-                <a:sym typeface="Times New Roman"/>
-              </a:rPr>
-              <a:t>---</a:t>
+              <a:t>Golden Hours Survival Rate</a:t>
             </a:r>
           </a:p>
         </p:txBody>
@@ -4638,7 +3787,7 @@
                 <a:cs typeface="Times New Roman Bold"/>
                 <a:sym typeface="Times New Roman Bold"/>
               </a:rPr>
-              <a:t>Iteration 2</a:t>
+              <a:t>Iteration 1</a:t>
             </a:r>
           </a:p>
         </p:txBody>
@@ -5420,7 +4569,7 @@
         <p:spPr>
           <a:xfrm rot="0">
             <a:off x="1524215" y="3431736"/>
-            <a:ext cx="7399756" cy="1166495"/>
+            <a:ext cx="7399756" cy="3414395"/>
           </a:xfrm>
           <a:prstGeom prst="rect">
             <a:avLst/>
@@ -5447,7 +4596,7 @@
                 <a:cs typeface="Times New Roman"/>
                 <a:sym typeface="Times New Roman"/>
               </a:rPr>
-              <a:t>How will I be able to get the least distance required in order to get to a care center?</a:t>
+              <a:t>The availability of some care services are not always accessible by people around the Philippines in terms of distance. Because of this the survival rate of some patient decreases due to the distance required to travel to a further care center.</a:t>
             </a:r>
           </a:p>
         </p:txBody>
@@ -5460,8 +4609,8 @@
         </p:nvSpPr>
         <p:spPr>
           <a:xfrm rot="0">
-            <a:off x="11556404" y="1913214"/>
-            <a:ext cx="5532455" cy="312746"/>
+            <a:off x="11556404" y="1378384"/>
+            <a:ext cx="5532455" cy="1751140"/>
           </a:xfrm>
           <a:prstGeom prst="rect">
             <a:avLst/>
@@ -5490,7 +4639,70 @@
                 <a:cs typeface="Times New Roman"/>
                 <a:sym typeface="Times New Roman"/>
               </a:rPr>
-              <a:t>How to utilize the total distance to figure out the survival.</a:t>
+              <a:t>The geographical location of an individual.</a:t>
+            </a:r>
+          </a:p>
+          <a:p>
+            <a:pPr algn="l" marL="353666" indent="-176833" lvl="1">
+              <a:lnSpc>
+                <a:spcPts val="2293"/>
+              </a:lnSpc>
+              <a:buFont typeface="Arial"/>
+              <a:buChar char="•"/>
+            </a:pPr>
+            <a:r>
+              <a:rPr lang="en-US" sz="1638">
+                <a:solidFill>
+                  <a:srgbClr val="000000"/>
+                </a:solidFill>
+                <a:latin typeface="Times New Roman"/>
+                <a:ea typeface="Times New Roman"/>
+                <a:cs typeface="Times New Roman"/>
+                <a:sym typeface="Times New Roman"/>
+              </a:rPr>
+              <a:t>The type of illness that a person may have</a:t>
+            </a:r>
+          </a:p>
+          <a:p>
+            <a:pPr algn="l" marL="353666" indent="-176833" lvl="1">
+              <a:lnSpc>
+                <a:spcPts val="2293"/>
+              </a:lnSpc>
+              <a:buFont typeface="Arial"/>
+              <a:buChar char="•"/>
+            </a:pPr>
+            <a:r>
+              <a:rPr lang="en-US" sz="1638">
+                <a:solidFill>
+                  <a:srgbClr val="000000"/>
+                </a:solidFill>
+                <a:latin typeface="Times New Roman"/>
+                <a:ea typeface="Times New Roman"/>
+                <a:cs typeface="Times New Roman"/>
+                <a:sym typeface="Times New Roman"/>
+              </a:rPr>
+              <a:t>The medium of transportation used to travel to their destination.</a:t>
+            </a:r>
+          </a:p>
+          <a:p>
+            <a:pPr algn="l" marL="353666" indent="-176833" lvl="1">
+              <a:lnSpc>
+                <a:spcPts val="2293"/>
+              </a:lnSpc>
+              <a:buFont typeface="Arial"/>
+              <a:buChar char="•"/>
+            </a:pPr>
+            <a:r>
+              <a:rPr lang="en-US" sz="1638">
+                <a:solidFill>
+                  <a:srgbClr val="000000"/>
+                </a:solidFill>
+                <a:latin typeface="Times New Roman"/>
+                <a:ea typeface="Times New Roman"/>
+                <a:cs typeface="Times New Roman"/>
+                <a:sym typeface="Times New Roman"/>
+              </a:rPr>
+              <a:t>A persons background, whether a civilian or an ambulance driver</a:t>
             </a:r>
           </a:p>
         </p:txBody>
@@ -5503,8 +4715,8 @@
         </p:nvSpPr>
         <p:spPr>
           <a:xfrm rot="0">
-            <a:off x="11556404" y="4341495"/>
-            <a:ext cx="5532455" cy="1518285"/>
+            <a:off x="11556404" y="4274698"/>
+            <a:ext cx="5532455" cy="1728471"/>
           </a:xfrm>
           <a:prstGeom prst="rect">
             <a:avLst/>
@@ -5518,11 +4730,11 @@
           <a:p>
             <a:pPr algn="l">
               <a:lnSpc>
-                <a:spcPts val="2939"/>
+                <a:spcPts val="4479"/>
               </a:lnSpc>
             </a:pPr>
             <a:r>
-              <a:rPr lang="en-US" sz="2099">
+              <a:rPr lang="en-US" sz="3199">
                 <a:solidFill>
                   <a:srgbClr val="000000"/>
                 </a:solidFill>
@@ -5531,8 +4743,96 @@
                 <a:cs typeface="Times New Roman"/>
                 <a:sym typeface="Times New Roman"/>
               </a:rPr>
-              <a:t>To get the least distance required, simply use an algorithm that can disseminate a given list in order to figure out the list distance among them. But what possible algorithm can be used?</a:t>
-            </a:r>
+              <a:t>The distance required poses a threat when it comes to the survival of an patient.</a:t>
+            </a:r>
+          </a:p>
+        </p:txBody>
+      </p:sp>
+      <p:sp>
+        <p:nvSpPr>
+          <p:cNvPr name="TextBox 33" id="33"/>
+          <p:cNvSpPr txBox="true"/>
+          <p:nvPr/>
+        </p:nvSpPr>
+        <p:spPr>
+          <a:xfrm rot="0">
+            <a:off x="11726845" y="7557548"/>
+            <a:ext cx="5532455" cy="1175782"/>
+          </a:xfrm>
+          <a:prstGeom prst="rect">
+            <a:avLst/>
+          </a:prstGeom>
+        </p:spPr>
+        <p:txBody>
+          <a:bodyPr anchor="t" rtlCol="false" tIns="0" lIns="0" bIns="0" rIns="0">
+            <a:spAutoFit/>
+          </a:bodyPr>
+          <a:lstStyle/>
+          <a:p>
+            <a:pPr algn="l">
+              <a:lnSpc>
+                <a:spcPts val="2293"/>
+              </a:lnSpc>
+            </a:pPr>
+            <a:r>
+              <a:rPr lang="en-US" sz="1638">
+                <a:solidFill>
+                  <a:srgbClr val="000000"/>
+                </a:solidFill>
+                <a:latin typeface="Times New Roman"/>
+                <a:ea typeface="Times New Roman"/>
+                <a:cs typeface="Times New Roman"/>
+                <a:sym typeface="Times New Roman"/>
+              </a:rPr>
+              <a:t>Relevant : Illness, Distance, Transportation</a:t>
+            </a:r>
+          </a:p>
+          <a:p>
+            <a:pPr algn="l">
+              <a:lnSpc>
+                <a:spcPts val="2293"/>
+              </a:lnSpc>
+            </a:pPr>
+            <a:r>
+              <a:rPr lang="en-US" sz="1638">
+                <a:solidFill>
+                  <a:srgbClr val="000000"/>
+                </a:solidFill>
+                <a:latin typeface="Times New Roman"/>
+                <a:ea typeface="Times New Roman"/>
+                <a:cs typeface="Times New Roman"/>
+                <a:sym typeface="Times New Roman"/>
+              </a:rPr>
+              <a:t>Irrelevant : </a:t>
+            </a:r>
+          </a:p>
+          <a:p>
+            <a:pPr algn="l" marL="353666" indent="-176833" lvl="1">
+              <a:lnSpc>
+                <a:spcPts val="2293"/>
+              </a:lnSpc>
+              <a:buFont typeface="Arial"/>
+              <a:buChar char="•"/>
+            </a:pPr>
+            <a:r>
+              <a:rPr lang="en-US" sz="1638">
+                <a:solidFill>
+                  <a:srgbClr val="000000"/>
+                </a:solidFill>
+                <a:latin typeface="Times New Roman"/>
+                <a:ea typeface="Times New Roman"/>
+                <a:cs typeface="Times New Roman"/>
+                <a:sym typeface="Times New Roman"/>
+              </a:rPr>
+              <a:t>Situation of the road, whether traffic or not.</a:t>
+            </a:r>
+          </a:p>
+          <a:p>
+            <a:pPr algn="l">
+              <a:lnSpc>
+                <a:spcPts val="2293"/>
+              </a:lnSpc>
+            </a:pPr>
           </a:p>
         </p:txBody>
       </p:sp>
@@ -5799,7 +5099,7 @@
                 <a:cs typeface="Times New Roman Bold"/>
                 <a:sym typeface="Times New Roman Bold"/>
               </a:rPr>
-              <a:t>Iteration 3</a:t>
+              <a:t>Iteration 2</a:t>
             </a:r>
           </a:p>
         </p:txBody>
@@ -6581,7 +5881,7 @@
         <p:spPr>
           <a:xfrm rot="0">
             <a:off x="1524215" y="3431736"/>
-            <a:ext cx="7399756" cy="2852420"/>
+            <a:ext cx="7399756" cy="1166495"/>
           </a:xfrm>
           <a:prstGeom prst="rect">
             <a:avLst/>
@@ -6608,7 +5908,7 @@
                 <a:cs typeface="Times New Roman"/>
                 <a:sym typeface="Times New Roman"/>
               </a:rPr>
-              <a:t>The dijkstra algorithm can be used in combination to using nodes to simulate the roads to obtain the least distance but how can the distance be used to figure out the survival of a patient?</a:t>
+              <a:t>How will I be able to get the least distance required in order to get to a care center?</a:t>
             </a:r>
           </a:p>
         </p:txBody>
@@ -6621,8 +5921,8 @@
         </p:nvSpPr>
         <p:spPr>
           <a:xfrm rot="0">
-            <a:off x="11556404" y="1672394"/>
-            <a:ext cx="5532455" cy="775335"/>
+            <a:off x="11556404" y="1913214"/>
+            <a:ext cx="5532455" cy="312746"/>
           </a:xfrm>
           <a:prstGeom prst="rect">
             <a:avLst/>
@@ -6634,13 +5934,15 @@
           </a:bodyPr>
           <a:lstStyle/>
           <a:p>
-            <a:pPr algn="l">
+            <a:pPr algn="l" marL="353666" indent="-176833" lvl="1">
               <a:lnSpc>
-                <a:spcPts val="2939"/>
+                <a:spcPts val="2293"/>
               </a:lnSpc>
+              <a:buFont typeface="Arial"/>
+              <a:buChar char="•"/>
             </a:pPr>
             <a:r>
-              <a:rPr lang="en-US" sz="2099">
+              <a:rPr lang="en-US" sz="1638">
                 <a:solidFill>
                   <a:srgbClr val="000000"/>
                 </a:solidFill>
@@ -6649,7 +5951,7 @@
                 <a:cs typeface="Times New Roman"/>
                 <a:sym typeface="Times New Roman"/>
               </a:rPr>
-              <a:t>How will you be able to calculate the comparison between the distance and the time.</a:t>
+              <a:t>How to utilize the total distance to figure out the survival.</a:t>
             </a:r>
           </a:p>
         </p:txBody>
@@ -6662,8 +5964,8 @@
         </p:nvSpPr>
         <p:spPr>
           <a:xfrm rot="0">
-            <a:off x="11556404" y="4527232"/>
-            <a:ext cx="5532455" cy="1146810"/>
+            <a:off x="11556404" y="4341495"/>
+            <a:ext cx="5532455" cy="1518285"/>
           </a:xfrm>
           <a:prstGeom prst="rect">
             <a:avLst/>
@@ -6690,7 +5992,7 @@
                 <a:cs typeface="Times New Roman"/>
                 <a:sym typeface="Times New Roman"/>
               </a:rPr>
-              <a:t>Utilizing both a given golden hour of an illness can be used to compare the given output of the least distance required.</a:t>
+              <a:t>To get the least distance required, simply use an algorithm that can disseminate a given list in order to figure out the list distance among them. But what possible algorithm can be used?</a:t>
             </a:r>
           </a:p>
         </p:txBody>
@@ -6704,7 +6006,7 @@
 </file>
 
 <file path=ppt/slides/slide4.xml><?xml version="1.0" encoding="utf-8"?>
-<p:sld xmlns:p="http://schemas.openxmlformats.org/presentationml/2006/main" xmlns:a="http://schemas.openxmlformats.org/drawingml/2006/main" xmlns:r="http://schemas.openxmlformats.org/officeDocument/2006/relationships">
+<p:sld xmlns:p="http://schemas.openxmlformats.org/presentationml/2006/main" xmlns:a="http://schemas.openxmlformats.org/drawingml/2006/main">
   <p:cSld>
     <p:spTree>
       <p:nvGrpSpPr>
@@ -6852,106 +6154,86 @@
       </p:grpSp>
       <p:sp>
         <p:nvSpPr>
-          <p:cNvPr name="Freeform 5" id="5"/>
+          <p:cNvPr name="AutoShape 5" id="5"/>
           <p:cNvSpPr/>
           <p:nvPr/>
         </p:nvSpPr>
         <p:spPr>
-          <a:xfrm flipH="false" flipV="false" rot="0">
-            <a:off x="143318" y="3873329"/>
-            <a:ext cx="12038950" cy="6235363"/>
+          <a:xfrm>
+            <a:off x="9130953" y="5143500"/>
+            <a:ext cx="2255011" cy="0"/>
           </a:xfrm>
-          <a:custGeom>
+          <a:prstGeom prst="line">
             <a:avLst/>
-            <a:gdLst/>
-            <a:ahLst/>
-            <a:cxnLst/>
-            <a:rect r="r" b="b" t="t" l="l"/>
-            <a:pathLst>
-              <a:path h="6235363" w="12038950">
-                <a:moveTo>
-                  <a:pt x="0" y="0"/>
-                </a:moveTo>
-                <a:lnTo>
-                  <a:pt x="12038950" y="0"/>
-                </a:lnTo>
-                <a:lnTo>
-                  <a:pt x="12038950" y="6235363"/>
-                </a:lnTo>
-                <a:lnTo>
-                  <a:pt x="0" y="6235363"/>
-                </a:lnTo>
-                <a:lnTo>
-                  <a:pt x="0" y="0"/>
-                </a:lnTo>
-                <a:close/>
-              </a:path>
-            </a:pathLst>
-          </a:custGeom>
-          <a:blipFill>
-            <a:blip r:embed="rId2"/>
-            <a:stretch>
-              <a:fillRect l="0" t="0" r="0" b="0"/>
-            </a:stretch>
-          </a:blipFill>
+          </a:prstGeom>
+          <a:ln cap="flat" w="38100">
+            <a:solidFill>
+              <a:srgbClr val="000000"/>
+            </a:solidFill>
+            <a:prstDash val="sysDot"/>
+            <a:headEnd type="none" len="sm" w="sm"/>
+            <a:tailEnd type="arrow" len="sm" w="med"/>
+          </a:ln>
         </p:spPr>
       </p:sp>
       <p:sp>
         <p:nvSpPr>
-          <p:cNvPr name="Freeform 6" id="6"/>
+          <p:cNvPr name="AutoShape 6" id="6"/>
           <p:cNvSpPr/>
           <p:nvPr/>
         </p:nvSpPr>
         <p:spPr>
-          <a:xfrm flipH="false" flipV="false" rot="0">
-            <a:off x="8131964" y="152851"/>
-            <a:ext cx="9986623" cy="8280048"/>
+          <a:xfrm>
+            <a:off x="9130953" y="5143500"/>
+            <a:ext cx="2255011" cy="3040576"/>
           </a:xfrm>
-          <a:custGeom>
+          <a:prstGeom prst="line">
             <a:avLst/>
-            <a:gdLst/>
-            <a:ahLst/>
-            <a:cxnLst/>
-            <a:rect r="r" b="b" t="t" l="l"/>
-            <a:pathLst>
-              <a:path h="8280048" w="9986623">
-                <a:moveTo>
-                  <a:pt x="0" y="0"/>
-                </a:moveTo>
-                <a:lnTo>
-                  <a:pt x="9986623" y="0"/>
-                </a:lnTo>
-                <a:lnTo>
-                  <a:pt x="9986623" y="8280048"/>
-                </a:lnTo>
-                <a:lnTo>
-                  <a:pt x="0" y="8280048"/>
-                </a:lnTo>
-                <a:lnTo>
-                  <a:pt x="0" y="0"/>
-                </a:lnTo>
-                <a:close/>
-              </a:path>
-            </a:pathLst>
-          </a:custGeom>
-          <a:blipFill>
-            <a:blip r:embed="rId3"/>
-            <a:stretch>
-              <a:fillRect l="0" t="0" r="0" b="0"/>
-            </a:stretch>
-          </a:blipFill>
+          </a:prstGeom>
+          <a:ln cap="flat" w="38100">
+            <a:solidFill>
+              <a:srgbClr val="000000"/>
+            </a:solidFill>
+            <a:prstDash val="sysDot"/>
+            <a:headEnd type="none" len="sm" w="sm"/>
+            <a:tailEnd type="arrow" len="sm" w="med"/>
+          </a:ln>
         </p:spPr>
       </p:sp>
       <p:sp>
         <p:nvSpPr>
-          <p:cNvPr name="TextBox 7" id="7"/>
+          <p:cNvPr name="AutoShape 7" id="7"/>
+          <p:cNvSpPr/>
+          <p:nvPr/>
+        </p:nvSpPr>
+        <p:spPr>
+          <a:xfrm flipV="true">
+            <a:off x="9130953" y="2102924"/>
+            <a:ext cx="2255011" cy="3040576"/>
+          </a:xfrm>
+          <a:prstGeom prst="line">
+            <a:avLst/>
+          </a:prstGeom>
+          <a:ln cap="flat" w="38100">
+            <a:solidFill>
+              <a:srgbClr val="000000"/>
+            </a:solidFill>
+            <a:prstDash val="sysDot"/>
+            <a:headEnd type="none" len="sm" w="sm"/>
+            <a:tailEnd type="arrow" len="sm" w="med"/>
+          </a:ln>
+        </p:spPr>
+      </p:sp>
+      <p:sp>
+        <p:nvSpPr>
+          <p:cNvPr name="TextBox 8" id="8"/>
           <p:cNvSpPr txBox="true"/>
           <p:nvPr/>
         </p:nvSpPr>
         <p:spPr>
           <a:xfrm rot="0">
-            <a:off x="1317234" y="752475"/>
-            <a:ext cx="4306044" cy="2646045"/>
+            <a:off x="1317234" y="676275"/>
+            <a:ext cx="5134868" cy="1747519"/>
           </a:xfrm>
           <a:prstGeom prst="rect">
             <a:avLst/>
@@ -6965,11 +6247,11 @@
           <a:p>
             <a:pPr algn="l">
               <a:lnSpc>
-                <a:spcPts val="10080"/>
+                <a:spcPts val="12880"/>
               </a:lnSpc>
             </a:pPr>
             <a:r>
-              <a:rPr lang="en-US" sz="7200" b="true">
+              <a:rPr lang="en-US" sz="9200" b="true">
                 <a:solidFill>
                   <a:srgbClr val="38B6FF"/>
                 </a:solidFill>
@@ -6978,17 +6260,39 @@
                 <a:cs typeface="Times New Roman Bold"/>
                 <a:sym typeface="Times New Roman Bold"/>
               </a:rPr>
-              <a:t>Code</a:t>
-            </a:r>
-          </a:p>
-          <a:p>
-            <a:pPr algn="l">
+              <a:t>Iteration 3</a:t>
+            </a:r>
+          </a:p>
+        </p:txBody>
+      </p:sp>
+      <p:sp>
+        <p:nvSpPr>
+          <p:cNvPr name="TextBox 9" id="9"/>
+          <p:cNvSpPr txBox="true"/>
+          <p:nvPr/>
+        </p:nvSpPr>
+        <p:spPr>
+          <a:xfrm rot="0">
+            <a:off x="1317234" y="8266430"/>
+            <a:ext cx="5187255" cy="991870"/>
+          </a:xfrm>
+          <a:prstGeom prst="rect">
+            <a:avLst/>
+          </a:prstGeom>
+        </p:spPr>
+        <p:txBody>
+          <a:bodyPr anchor="t" rtlCol="false" tIns="0" lIns="0" bIns="0" rIns="0">
+            <a:spAutoFit/>
+          </a:bodyPr>
+          <a:lstStyle/>
+          <a:p>
+            <a:pPr algn="ctr">
               <a:lnSpc>
-                <a:spcPts val="10080"/>
+                <a:spcPts val="7279"/>
               </a:lnSpc>
             </a:pPr>
             <a:r>
-              <a:rPr lang="en-US" sz="7200" b="true">
+              <a:rPr lang="en-US" sz="5199" b="true">
                 <a:solidFill>
                   <a:srgbClr val="38B6FF"/>
                 </a:solidFill>
@@ -6997,7 +6301,857 @@
                 <a:cs typeface="Times New Roman Bold"/>
                 <a:sym typeface="Times New Roman Bold"/>
               </a:rPr>
-              <a:t>Breakdown</a:t>
+              <a:t>Graphic Organizer</a:t>
+            </a:r>
+          </a:p>
+        </p:txBody>
+      </p:sp>
+      <p:grpSp>
+        <p:nvGrpSpPr>
+          <p:cNvPr name="Group 10" id="10"/>
+          <p:cNvGrpSpPr/>
+          <p:nvPr/>
+        </p:nvGrpSpPr>
+        <p:grpSpPr>
+          <a:xfrm rot="0">
+            <a:off x="1317234" y="2995051"/>
+            <a:ext cx="7813719" cy="4296898"/>
+            <a:chOff x="0" y="0"/>
+            <a:chExt cx="10418292" cy="5729197"/>
+          </a:xfrm>
+        </p:grpSpPr>
+        <p:grpSp>
+          <p:nvGrpSpPr>
+            <p:cNvPr name="Group 11" id="11"/>
+            <p:cNvGrpSpPr/>
+            <p:nvPr/>
+          </p:nvGrpSpPr>
+          <p:grpSpPr>
+            <a:xfrm rot="0">
+              <a:off x="0" y="0"/>
+              <a:ext cx="10418292" cy="5729197"/>
+              <a:chOff x="0" y="0"/>
+              <a:chExt cx="2057934" cy="1131693"/>
+            </a:xfrm>
+          </p:grpSpPr>
+          <p:sp>
+            <p:nvSpPr>
+              <p:cNvPr name="Freeform 12" id="12"/>
+              <p:cNvSpPr/>
+              <p:nvPr/>
+            </p:nvSpPr>
+            <p:spPr>
+              <a:xfrm flipH="false" flipV="false" rot="0">
+                <a:off x="0" y="0"/>
+                <a:ext cx="2057934" cy="1131693"/>
+              </a:xfrm>
+              <a:custGeom>
+                <a:avLst/>
+                <a:gdLst/>
+                <a:ahLst/>
+                <a:cxnLst/>
+                <a:rect r="r" b="b" t="t" l="l"/>
+                <a:pathLst>
+                  <a:path h="1131693" w="2057934">
+                    <a:moveTo>
+                      <a:pt x="50531" y="0"/>
+                    </a:moveTo>
+                    <a:lnTo>
+                      <a:pt x="2007403" y="0"/>
+                    </a:lnTo>
+                    <a:cubicBezTo>
+                      <a:pt x="2035311" y="0"/>
+                      <a:pt x="2057934" y="22624"/>
+                      <a:pt x="2057934" y="50531"/>
+                    </a:cubicBezTo>
+                    <a:lnTo>
+                      <a:pt x="2057934" y="1081162"/>
+                    </a:lnTo>
+                    <a:cubicBezTo>
+                      <a:pt x="2057934" y="1109070"/>
+                      <a:pt x="2035311" y="1131693"/>
+                      <a:pt x="2007403" y="1131693"/>
+                    </a:cubicBezTo>
+                    <a:lnTo>
+                      <a:pt x="50531" y="1131693"/>
+                    </a:lnTo>
+                    <a:cubicBezTo>
+                      <a:pt x="37130" y="1131693"/>
+                      <a:pt x="24277" y="1126369"/>
+                      <a:pt x="14800" y="1116893"/>
+                    </a:cubicBezTo>
+                    <a:cubicBezTo>
+                      <a:pt x="5324" y="1107416"/>
+                      <a:pt x="0" y="1094564"/>
+                      <a:pt x="0" y="1081162"/>
+                    </a:cubicBezTo>
+                    <a:lnTo>
+                      <a:pt x="0" y="50531"/>
+                    </a:lnTo>
+                    <a:cubicBezTo>
+                      <a:pt x="0" y="37130"/>
+                      <a:pt x="5324" y="24277"/>
+                      <a:pt x="14800" y="14800"/>
+                    </a:cubicBezTo>
+                    <a:cubicBezTo>
+                      <a:pt x="24277" y="5324"/>
+                      <a:pt x="37130" y="0"/>
+                      <a:pt x="50531" y="0"/>
+                    </a:cubicBezTo>
+                    <a:close/>
+                  </a:path>
+                </a:pathLst>
+              </a:custGeom>
+              <a:solidFill>
+                <a:srgbClr val="38B6FF"/>
+              </a:solidFill>
+              <a:ln w="19050" cap="rnd">
+                <a:solidFill>
+                  <a:srgbClr val="000000"/>
+                </a:solidFill>
+                <a:prstDash val="solid"/>
+                <a:round/>
+              </a:ln>
+            </p:spPr>
+          </p:sp>
+          <p:sp>
+            <p:nvSpPr>
+              <p:cNvPr name="TextBox 13" id="13"/>
+              <p:cNvSpPr txBox="true"/>
+              <p:nvPr/>
+            </p:nvSpPr>
+            <p:spPr>
+              <a:xfrm>
+                <a:off x="0" y="-38100"/>
+                <a:ext cx="2057934" cy="1169793"/>
+              </a:xfrm>
+              <a:prstGeom prst="rect">
+                <a:avLst/>
+              </a:prstGeom>
+            </p:spPr>
+            <p:txBody>
+              <a:bodyPr anchor="ctr" rtlCol="false" tIns="50800" lIns="50800" bIns="50800" rIns="50800"/>
+              <a:lstStyle/>
+              <a:p>
+                <a:pPr algn="ctr">
+                  <a:lnSpc>
+                    <a:spcPts val="2659"/>
+                  </a:lnSpc>
+                </a:pPr>
+              </a:p>
+            </p:txBody>
+          </p:sp>
+        </p:grpSp>
+        <p:sp>
+          <p:nvSpPr>
+            <p:cNvPr name="TextBox 14" id="14"/>
+            <p:cNvSpPr txBox="true"/>
+            <p:nvPr/>
+          </p:nvSpPr>
+          <p:spPr>
+            <a:xfrm rot="0">
+              <a:off x="3738129" y="-12473"/>
+              <a:ext cx="2942034" cy="434340"/>
+            </a:xfrm>
+            <a:prstGeom prst="rect">
+              <a:avLst/>
+            </a:prstGeom>
+          </p:spPr>
+          <p:txBody>
+            <a:bodyPr anchor="t" rtlCol="false" tIns="0" lIns="0" bIns="0" rIns="0">
+              <a:spAutoFit/>
+            </a:bodyPr>
+            <a:lstStyle/>
+            <a:p>
+              <a:pPr algn="ctr">
+                <a:lnSpc>
+                  <a:spcPts val="2519"/>
+                </a:lnSpc>
+              </a:pPr>
+              <a:r>
+                <a:rPr lang="en-US" sz="1799">
+                  <a:solidFill>
+                    <a:srgbClr val="000000"/>
+                  </a:solidFill>
+                  <a:latin typeface="Times New Roman"/>
+                  <a:ea typeface="Times New Roman"/>
+                  <a:cs typeface="Times New Roman"/>
+                  <a:sym typeface="Times New Roman"/>
+                </a:rPr>
+                <a:t>Problem Identification</a:t>
+              </a:r>
+            </a:p>
+          </p:txBody>
+        </p:sp>
+      </p:grpSp>
+      <p:grpSp>
+        <p:nvGrpSpPr>
+          <p:cNvPr name="Group 15" id="15"/>
+          <p:cNvGrpSpPr/>
+          <p:nvPr/>
+        </p:nvGrpSpPr>
+        <p:grpSpPr>
+          <a:xfrm rot="0">
+            <a:off x="11385963" y="4069276"/>
+            <a:ext cx="5873337" cy="2148449"/>
+            <a:chOff x="0" y="0"/>
+            <a:chExt cx="7831115" cy="2864598"/>
+          </a:xfrm>
+        </p:grpSpPr>
+        <p:grpSp>
+          <p:nvGrpSpPr>
+            <p:cNvPr name="Group 16" id="16"/>
+            <p:cNvGrpSpPr/>
+            <p:nvPr/>
+          </p:nvGrpSpPr>
+          <p:grpSpPr>
+            <a:xfrm rot="0">
+              <a:off x="0" y="0"/>
+              <a:ext cx="7831115" cy="2864598"/>
+              <a:chOff x="0" y="0"/>
+              <a:chExt cx="1546887" cy="565847"/>
+            </a:xfrm>
+          </p:grpSpPr>
+          <p:sp>
+            <p:nvSpPr>
+              <p:cNvPr name="Freeform 17" id="17"/>
+              <p:cNvSpPr/>
+              <p:nvPr/>
+            </p:nvSpPr>
+            <p:spPr>
+              <a:xfrm flipH="false" flipV="false" rot="0">
+                <a:off x="0" y="0"/>
+                <a:ext cx="1546887" cy="565847"/>
+              </a:xfrm>
+              <a:custGeom>
+                <a:avLst/>
+                <a:gdLst/>
+                <a:ahLst/>
+                <a:cxnLst/>
+                <a:rect r="r" b="b" t="t" l="l"/>
+                <a:pathLst>
+                  <a:path h="565847" w="1546887">
+                    <a:moveTo>
+                      <a:pt x="67225" y="0"/>
+                    </a:moveTo>
+                    <a:lnTo>
+                      <a:pt x="1479662" y="0"/>
+                    </a:lnTo>
+                    <a:cubicBezTo>
+                      <a:pt x="1516789" y="0"/>
+                      <a:pt x="1546887" y="30098"/>
+                      <a:pt x="1546887" y="67225"/>
+                    </a:cubicBezTo>
+                    <a:lnTo>
+                      <a:pt x="1546887" y="498621"/>
+                    </a:lnTo>
+                    <a:cubicBezTo>
+                      <a:pt x="1546887" y="516450"/>
+                      <a:pt x="1539804" y="533550"/>
+                      <a:pt x="1527197" y="546157"/>
+                    </a:cubicBezTo>
+                    <a:cubicBezTo>
+                      <a:pt x="1514590" y="558764"/>
+                      <a:pt x="1497491" y="565847"/>
+                      <a:pt x="1479662" y="565847"/>
+                    </a:cubicBezTo>
+                    <a:lnTo>
+                      <a:pt x="67225" y="565847"/>
+                    </a:lnTo>
+                    <a:cubicBezTo>
+                      <a:pt x="49396" y="565847"/>
+                      <a:pt x="32297" y="558764"/>
+                      <a:pt x="19690" y="546157"/>
+                    </a:cubicBezTo>
+                    <a:cubicBezTo>
+                      <a:pt x="7083" y="533550"/>
+                      <a:pt x="0" y="516450"/>
+                      <a:pt x="0" y="498621"/>
+                    </a:cubicBezTo>
+                    <a:lnTo>
+                      <a:pt x="0" y="67225"/>
+                    </a:lnTo>
+                    <a:cubicBezTo>
+                      <a:pt x="0" y="49396"/>
+                      <a:pt x="7083" y="32297"/>
+                      <a:pt x="19690" y="19690"/>
+                    </a:cubicBezTo>
+                    <a:cubicBezTo>
+                      <a:pt x="32297" y="7083"/>
+                      <a:pt x="49396" y="0"/>
+                      <a:pt x="67225" y="0"/>
+                    </a:cubicBezTo>
+                    <a:close/>
+                  </a:path>
+                </a:pathLst>
+              </a:custGeom>
+              <a:solidFill>
+                <a:srgbClr val="38B6FF"/>
+              </a:solidFill>
+              <a:ln w="19050" cap="rnd">
+                <a:solidFill>
+                  <a:srgbClr val="000000"/>
+                </a:solidFill>
+                <a:prstDash val="solid"/>
+                <a:round/>
+              </a:ln>
+            </p:spPr>
+          </p:sp>
+          <p:sp>
+            <p:nvSpPr>
+              <p:cNvPr name="TextBox 18" id="18"/>
+              <p:cNvSpPr txBox="true"/>
+              <p:nvPr/>
+            </p:nvSpPr>
+            <p:spPr>
+              <a:xfrm>
+                <a:off x="0" y="-38100"/>
+                <a:ext cx="1546887" cy="603947"/>
+              </a:xfrm>
+              <a:prstGeom prst="rect">
+                <a:avLst/>
+              </a:prstGeom>
+            </p:spPr>
+            <p:txBody>
+              <a:bodyPr anchor="ctr" rtlCol="false" tIns="50800" lIns="50800" bIns="50800" rIns="50800"/>
+              <a:lstStyle/>
+              <a:p>
+                <a:pPr algn="ctr">
+                  <a:lnSpc>
+                    <a:spcPts val="2659"/>
+                  </a:lnSpc>
+                </a:pPr>
+              </a:p>
+            </p:txBody>
+          </p:sp>
+        </p:grpSp>
+        <p:sp>
+          <p:nvSpPr>
+            <p:cNvPr name="TextBox 19" id="19"/>
+            <p:cNvSpPr txBox="true"/>
+            <p:nvPr/>
+          </p:nvSpPr>
+          <p:spPr>
+            <a:xfrm rot="0">
+              <a:off x="2601604" y="25400"/>
+              <a:ext cx="2627908" cy="434340"/>
+            </a:xfrm>
+            <a:prstGeom prst="rect">
+              <a:avLst/>
+            </a:prstGeom>
+          </p:spPr>
+          <p:txBody>
+            <a:bodyPr anchor="t" rtlCol="false" tIns="0" lIns="0" bIns="0" rIns="0">
+              <a:spAutoFit/>
+            </a:bodyPr>
+            <a:lstStyle/>
+            <a:p>
+              <a:pPr algn="ctr">
+                <a:lnSpc>
+                  <a:spcPts val="2519"/>
+                </a:lnSpc>
+              </a:pPr>
+              <a:r>
+                <a:rPr lang="en-US" sz="1799">
+                  <a:solidFill>
+                    <a:srgbClr val="000000"/>
+                  </a:solidFill>
+                  <a:latin typeface="Times New Roman"/>
+                  <a:ea typeface="Times New Roman"/>
+                  <a:cs typeface="Times New Roman"/>
+                  <a:sym typeface="Times New Roman"/>
+                </a:rPr>
+                <a:t>Pattern Recognition</a:t>
+              </a:r>
+            </a:p>
+          </p:txBody>
+        </p:sp>
+      </p:grpSp>
+      <p:grpSp>
+        <p:nvGrpSpPr>
+          <p:cNvPr name="Group 20" id="20"/>
+          <p:cNvGrpSpPr/>
+          <p:nvPr/>
+        </p:nvGrpSpPr>
+        <p:grpSpPr>
+          <a:xfrm rot="0">
+            <a:off x="11385963" y="1028700"/>
+            <a:ext cx="5873337" cy="2148449"/>
+            <a:chOff x="0" y="0"/>
+            <a:chExt cx="7831115" cy="2864598"/>
+          </a:xfrm>
+        </p:grpSpPr>
+        <p:grpSp>
+          <p:nvGrpSpPr>
+            <p:cNvPr name="Group 21" id="21"/>
+            <p:cNvGrpSpPr/>
+            <p:nvPr/>
+          </p:nvGrpSpPr>
+          <p:grpSpPr>
+            <a:xfrm rot="0">
+              <a:off x="0" y="0"/>
+              <a:ext cx="7831115" cy="2864598"/>
+              <a:chOff x="0" y="0"/>
+              <a:chExt cx="1546887" cy="565847"/>
+            </a:xfrm>
+          </p:grpSpPr>
+          <p:sp>
+            <p:nvSpPr>
+              <p:cNvPr name="Freeform 22" id="22"/>
+              <p:cNvSpPr/>
+              <p:nvPr/>
+            </p:nvSpPr>
+            <p:spPr>
+              <a:xfrm flipH="false" flipV="false" rot="0">
+                <a:off x="0" y="0"/>
+                <a:ext cx="1546887" cy="565847"/>
+              </a:xfrm>
+              <a:custGeom>
+                <a:avLst/>
+                <a:gdLst/>
+                <a:ahLst/>
+                <a:cxnLst/>
+                <a:rect r="r" b="b" t="t" l="l"/>
+                <a:pathLst>
+                  <a:path h="565847" w="1546887">
+                    <a:moveTo>
+                      <a:pt x="67225" y="0"/>
+                    </a:moveTo>
+                    <a:lnTo>
+                      <a:pt x="1479662" y="0"/>
+                    </a:lnTo>
+                    <a:cubicBezTo>
+                      <a:pt x="1516789" y="0"/>
+                      <a:pt x="1546887" y="30098"/>
+                      <a:pt x="1546887" y="67225"/>
+                    </a:cubicBezTo>
+                    <a:lnTo>
+                      <a:pt x="1546887" y="498621"/>
+                    </a:lnTo>
+                    <a:cubicBezTo>
+                      <a:pt x="1546887" y="516450"/>
+                      <a:pt x="1539804" y="533550"/>
+                      <a:pt x="1527197" y="546157"/>
+                    </a:cubicBezTo>
+                    <a:cubicBezTo>
+                      <a:pt x="1514590" y="558764"/>
+                      <a:pt x="1497491" y="565847"/>
+                      <a:pt x="1479662" y="565847"/>
+                    </a:cubicBezTo>
+                    <a:lnTo>
+                      <a:pt x="67225" y="565847"/>
+                    </a:lnTo>
+                    <a:cubicBezTo>
+                      <a:pt x="49396" y="565847"/>
+                      <a:pt x="32297" y="558764"/>
+                      <a:pt x="19690" y="546157"/>
+                    </a:cubicBezTo>
+                    <a:cubicBezTo>
+                      <a:pt x="7083" y="533550"/>
+                      <a:pt x="0" y="516450"/>
+                      <a:pt x="0" y="498621"/>
+                    </a:cubicBezTo>
+                    <a:lnTo>
+                      <a:pt x="0" y="67225"/>
+                    </a:lnTo>
+                    <a:cubicBezTo>
+                      <a:pt x="0" y="49396"/>
+                      <a:pt x="7083" y="32297"/>
+                      <a:pt x="19690" y="19690"/>
+                    </a:cubicBezTo>
+                    <a:cubicBezTo>
+                      <a:pt x="32297" y="7083"/>
+                      <a:pt x="49396" y="0"/>
+                      <a:pt x="67225" y="0"/>
+                    </a:cubicBezTo>
+                    <a:close/>
+                  </a:path>
+                </a:pathLst>
+              </a:custGeom>
+              <a:solidFill>
+                <a:srgbClr val="38B6FF"/>
+              </a:solidFill>
+              <a:ln w="19050" cap="rnd">
+                <a:solidFill>
+                  <a:srgbClr val="000000"/>
+                </a:solidFill>
+                <a:prstDash val="solid"/>
+                <a:round/>
+              </a:ln>
+            </p:spPr>
+          </p:sp>
+          <p:sp>
+            <p:nvSpPr>
+              <p:cNvPr name="TextBox 23" id="23"/>
+              <p:cNvSpPr txBox="true"/>
+              <p:nvPr/>
+            </p:nvSpPr>
+            <p:spPr>
+              <a:xfrm>
+                <a:off x="0" y="-38100"/>
+                <a:ext cx="1546887" cy="603947"/>
+              </a:xfrm>
+              <a:prstGeom prst="rect">
+                <a:avLst/>
+              </a:prstGeom>
+            </p:spPr>
+            <p:txBody>
+              <a:bodyPr anchor="ctr" rtlCol="false" tIns="50800" lIns="50800" bIns="50800" rIns="50800"/>
+              <a:lstStyle/>
+              <a:p>
+                <a:pPr algn="ctr">
+                  <a:lnSpc>
+                    <a:spcPts val="2659"/>
+                  </a:lnSpc>
+                </a:pPr>
+              </a:p>
+            </p:txBody>
+          </p:sp>
+        </p:grpSp>
+        <p:sp>
+          <p:nvSpPr>
+            <p:cNvPr name="TextBox 24" id="24"/>
+            <p:cNvSpPr txBox="true"/>
+            <p:nvPr/>
+          </p:nvSpPr>
+          <p:spPr>
+            <a:xfrm rot="0">
+              <a:off x="2918905" y="25661"/>
+              <a:ext cx="1993305" cy="434340"/>
+            </a:xfrm>
+            <a:prstGeom prst="rect">
+              <a:avLst/>
+            </a:prstGeom>
+          </p:spPr>
+          <p:txBody>
+            <a:bodyPr anchor="t" rtlCol="false" tIns="0" lIns="0" bIns="0" rIns="0">
+              <a:spAutoFit/>
+            </a:bodyPr>
+            <a:lstStyle/>
+            <a:p>
+              <a:pPr algn="ctr">
+                <a:lnSpc>
+                  <a:spcPts val="2519"/>
+                </a:lnSpc>
+              </a:pPr>
+              <a:r>
+                <a:rPr lang="en-US" sz="1799">
+                  <a:solidFill>
+                    <a:srgbClr val="000000"/>
+                  </a:solidFill>
+                  <a:latin typeface="Times New Roman"/>
+                  <a:ea typeface="Times New Roman"/>
+                  <a:cs typeface="Times New Roman"/>
+                  <a:sym typeface="Times New Roman"/>
+                </a:rPr>
+                <a:t>Decomposition</a:t>
+              </a:r>
+            </a:p>
+          </p:txBody>
+        </p:sp>
+      </p:grpSp>
+      <p:grpSp>
+        <p:nvGrpSpPr>
+          <p:cNvPr name="Group 25" id="25"/>
+          <p:cNvGrpSpPr/>
+          <p:nvPr/>
+        </p:nvGrpSpPr>
+        <p:grpSpPr>
+          <a:xfrm rot="0">
+            <a:off x="11385963" y="7109851"/>
+            <a:ext cx="5873337" cy="2148449"/>
+            <a:chOff x="0" y="0"/>
+            <a:chExt cx="7831115" cy="2864598"/>
+          </a:xfrm>
+        </p:grpSpPr>
+        <p:grpSp>
+          <p:nvGrpSpPr>
+            <p:cNvPr name="Group 26" id="26"/>
+            <p:cNvGrpSpPr/>
+            <p:nvPr/>
+          </p:nvGrpSpPr>
+          <p:grpSpPr>
+            <a:xfrm rot="0">
+              <a:off x="0" y="0"/>
+              <a:ext cx="7831115" cy="2864598"/>
+              <a:chOff x="0" y="0"/>
+              <a:chExt cx="1546887" cy="565847"/>
+            </a:xfrm>
+          </p:grpSpPr>
+          <p:sp>
+            <p:nvSpPr>
+              <p:cNvPr name="Freeform 27" id="27"/>
+              <p:cNvSpPr/>
+              <p:nvPr/>
+            </p:nvSpPr>
+            <p:spPr>
+              <a:xfrm flipH="false" flipV="false" rot="0">
+                <a:off x="0" y="0"/>
+                <a:ext cx="1546887" cy="565847"/>
+              </a:xfrm>
+              <a:custGeom>
+                <a:avLst/>
+                <a:gdLst/>
+                <a:ahLst/>
+                <a:cxnLst/>
+                <a:rect r="r" b="b" t="t" l="l"/>
+                <a:pathLst>
+                  <a:path h="565847" w="1546887">
+                    <a:moveTo>
+                      <a:pt x="67225" y="0"/>
+                    </a:moveTo>
+                    <a:lnTo>
+                      <a:pt x="1479662" y="0"/>
+                    </a:lnTo>
+                    <a:cubicBezTo>
+                      <a:pt x="1516789" y="0"/>
+                      <a:pt x="1546887" y="30098"/>
+                      <a:pt x="1546887" y="67225"/>
+                    </a:cubicBezTo>
+                    <a:lnTo>
+                      <a:pt x="1546887" y="498621"/>
+                    </a:lnTo>
+                    <a:cubicBezTo>
+                      <a:pt x="1546887" y="516450"/>
+                      <a:pt x="1539804" y="533550"/>
+                      <a:pt x="1527197" y="546157"/>
+                    </a:cubicBezTo>
+                    <a:cubicBezTo>
+                      <a:pt x="1514590" y="558764"/>
+                      <a:pt x="1497491" y="565847"/>
+                      <a:pt x="1479662" y="565847"/>
+                    </a:cubicBezTo>
+                    <a:lnTo>
+                      <a:pt x="67225" y="565847"/>
+                    </a:lnTo>
+                    <a:cubicBezTo>
+                      <a:pt x="49396" y="565847"/>
+                      <a:pt x="32297" y="558764"/>
+                      <a:pt x="19690" y="546157"/>
+                    </a:cubicBezTo>
+                    <a:cubicBezTo>
+                      <a:pt x="7083" y="533550"/>
+                      <a:pt x="0" y="516450"/>
+                      <a:pt x="0" y="498621"/>
+                    </a:cubicBezTo>
+                    <a:lnTo>
+                      <a:pt x="0" y="67225"/>
+                    </a:lnTo>
+                    <a:cubicBezTo>
+                      <a:pt x="0" y="49396"/>
+                      <a:pt x="7083" y="32297"/>
+                      <a:pt x="19690" y="19690"/>
+                    </a:cubicBezTo>
+                    <a:cubicBezTo>
+                      <a:pt x="32297" y="7083"/>
+                      <a:pt x="49396" y="0"/>
+                      <a:pt x="67225" y="0"/>
+                    </a:cubicBezTo>
+                    <a:close/>
+                  </a:path>
+                </a:pathLst>
+              </a:custGeom>
+              <a:solidFill>
+                <a:srgbClr val="38B6FF"/>
+              </a:solidFill>
+              <a:ln w="19050" cap="rnd">
+                <a:solidFill>
+                  <a:srgbClr val="000000"/>
+                </a:solidFill>
+                <a:prstDash val="solid"/>
+                <a:round/>
+              </a:ln>
+            </p:spPr>
+          </p:sp>
+          <p:sp>
+            <p:nvSpPr>
+              <p:cNvPr name="TextBox 28" id="28"/>
+              <p:cNvSpPr txBox="true"/>
+              <p:nvPr/>
+            </p:nvSpPr>
+            <p:spPr>
+              <a:xfrm>
+                <a:off x="0" y="-38100"/>
+                <a:ext cx="1546887" cy="603947"/>
+              </a:xfrm>
+              <a:prstGeom prst="rect">
+                <a:avLst/>
+              </a:prstGeom>
+            </p:spPr>
+            <p:txBody>
+              <a:bodyPr anchor="ctr" rtlCol="false" tIns="50800" lIns="50800" bIns="50800" rIns="50800"/>
+              <a:lstStyle/>
+              <a:p>
+                <a:pPr algn="ctr">
+                  <a:lnSpc>
+                    <a:spcPts val="2659"/>
+                  </a:lnSpc>
+                </a:pPr>
+              </a:p>
+            </p:txBody>
+          </p:sp>
+        </p:grpSp>
+        <p:sp>
+          <p:nvSpPr>
+            <p:cNvPr name="TextBox 29" id="29"/>
+            <p:cNvSpPr txBox="true"/>
+            <p:nvPr/>
+          </p:nvSpPr>
+          <p:spPr>
+            <a:xfrm rot="0">
+              <a:off x="3142842" y="29698"/>
+              <a:ext cx="1545431" cy="434340"/>
+            </a:xfrm>
+            <a:prstGeom prst="rect">
+              <a:avLst/>
+            </a:prstGeom>
+          </p:spPr>
+          <p:txBody>
+            <a:bodyPr anchor="t" rtlCol="false" tIns="0" lIns="0" bIns="0" rIns="0">
+              <a:spAutoFit/>
+            </a:bodyPr>
+            <a:lstStyle/>
+            <a:p>
+              <a:pPr algn="ctr">
+                <a:lnSpc>
+                  <a:spcPts val="2519"/>
+                </a:lnSpc>
+              </a:pPr>
+              <a:r>
+                <a:rPr lang="en-US" sz="1799">
+                  <a:solidFill>
+                    <a:srgbClr val="000000"/>
+                  </a:solidFill>
+                  <a:latin typeface="Times New Roman"/>
+                  <a:ea typeface="Times New Roman"/>
+                  <a:cs typeface="Times New Roman"/>
+                  <a:sym typeface="Times New Roman"/>
+                </a:rPr>
+                <a:t>Abstraction</a:t>
+              </a:r>
+            </a:p>
+          </p:txBody>
+        </p:sp>
+      </p:grpSp>
+      <p:sp>
+        <p:nvSpPr>
+          <p:cNvPr name="TextBox 30" id="30"/>
+          <p:cNvSpPr txBox="true"/>
+          <p:nvPr/>
+        </p:nvSpPr>
+        <p:spPr>
+          <a:xfrm rot="0">
+            <a:off x="1524215" y="3441261"/>
+            <a:ext cx="7399756" cy="3014980"/>
+          </a:xfrm>
+          <a:prstGeom prst="rect">
+            <a:avLst/>
+          </a:prstGeom>
+        </p:spPr>
+        <p:txBody>
+          <a:bodyPr anchor="t" rtlCol="false" tIns="0" lIns="0" bIns="0" rIns="0">
+            <a:spAutoFit/>
+          </a:bodyPr>
+          <a:lstStyle/>
+          <a:p>
+            <a:pPr algn="l">
+              <a:lnSpc>
+                <a:spcPts val="3919"/>
+              </a:lnSpc>
+            </a:pPr>
+            <a:r>
+              <a:rPr lang="en-US" sz="2799">
+                <a:solidFill>
+                  <a:srgbClr val="000000"/>
+                </a:solidFill>
+                <a:latin typeface="Times New Roman"/>
+                <a:ea typeface="Times New Roman"/>
+                <a:cs typeface="Times New Roman"/>
+                <a:sym typeface="Times New Roman"/>
+              </a:rPr>
+              <a:t>The dijkstra algorithm can be used in combination to using nodes to simulate the roads to obtain the least distance and dynamic programming to both store and utilize the distance and time data, but how can the distance be used to figure out the survival of a patient?</a:t>
+            </a:r>
+          </a:p>
+        </p:txBody>
+      </p:sp>
+      <p:sp>
+        <p:nvSpPr>
+          <p:cNvPr name="TextBox 31" id="31"/>
+          <p:cNvSpPr txBox="true"/>
+          <p:nvPr/>
+        </p:nvSpPr>
+        <p:spPr>
+          <a:xfrm rot="0">
+            <a:off x="11556404" y="1672394"/>
+            <a:ext cx="5532455" cy="775335"/>
+          </a:xfrm>
+          <a:prstGeom prst="rect">
+            <a:avLst/>
+          </a:prstGeom>
+        </p:spPr>
+        <p:txBody>
+          <a:bodyPr anchor="t" rtlCol="false" tIns="0" lIns="0" bIns="0" rIns="0">
+            <a:spAutoFit/>
+          </a:bodyPr>
+          <a:lstStyle/>
+          <a:p>
+            <a:pPr algn="l">
+              <a:lnSpc>
+                <a:spcPts val="2939"/>
+              </a:lnSpc>
+            </a:pPr>
+            <a:r>
+              <a:rPr lang="en-US" sz="2099">
+                <a:solidFill>
+                  <a:srgbClr val="000000"/>
+                </a:solidFill>
+                <a:latin typeface="Times New Roman"/>
+                <a:ea typeface="Times New Roman"/>
+                <a:cs typeface="Times New Roman"/>
+                <a:sym typeface="Times New Roman"/>
+              </a:rPr>
+              <a:t>How will you be able to calculate the comparison between the distance and the time.</a:t>
+            </a:r>
+          </a:p>
+        </p:txBody>
+      </p:sp>
+      <p:sp>
+        <p:nvSpPr>
+          <p:cNvPr name="TextBox 32" id="32"/>
+          <p:cNvSpPr txBox="true"/>
+          <p:nvPr/>
+        </p:nvSpPr>
+        <p:spPr>
+          <a:xfrm rot="0">
+            <a:off x="11556404" y="4527232"/>
+            <a:ext cx="5532455" cy="1146810"/>
+          </a:xfrm>
+          <a:prstGeom prst="rect">
+            <a:avLst/>
+          </a:prstGeom>
+        </p:spPr>
+        <p:txBody>
+          <a:bodyPr anchor="t" rtlCol="false" tIns="0" lIns="0" bIns="0" rIns="0">
+            <a:spAutoFit/>
+          </a:bodyPr>
+          <a:lstStyle/>
+          <a:p>
+            <a:pPr algn="l">
+              <a:lnSpc>
+                <a:spcPts val="2939"/>
+              </a:lnSpc>
+            </a:pPr>
+            <a:r>
+              <a:rPr lang="en-US" sz="2099">
+                <a:solidFill>
+                  <a:srgbClr val="000000"/>
+                </a:solidFill>
+                <a:latin typeface="Times New Roman"/>
+                <a:ea typeface="Times New Roman"/>
+                <a:cs typeface="Times New Roman"/>
+                <a:sym typeface="Times New Roman"/>
+              </a:rPr>
+              <a:t>Utilizing both a given golden hour of an illness can be used to compare the given output of the least distance required.</a:t>
             </a:r>
           </a:p>
         </p:txBody>
@@ -7165,8 +7319,8 @@
         </p:nvSpPr>
         <p:spPr>
           <a:xfrm flipH="false" flipV="false" rot="0">
-            <a:off x="143318" y="6875188"/>
-            <a:ext cx="6066822" cy="3411812"/>
+            <a:off x="0" y="4240826"/>
+            <a:ext cx="11301259" cy="6046174"/>
           </a:xfrm>
           <a:custGeom>
             <a:avLst/>
@@ -7175,18 +7329,18 @@
             <a:cxnLst/>
             <a:rect r="r" b="b" t="t" l="l"/>
             <a:pathLst>
-              <a:path h="3411812" w="6066822">
+              <a:path h="6046174" w="11301259">
                 <a:moveTo>
                   <a:pt x="0" y="0"/>
                 </a:moveTo>
                 <a:lnTo>
-                  <a:pt x="6066822" y="0"/>
+                  <a:pt x="11301259" y="0"/>
                 </a:lnTo>
                 <a:lnTo>
-                  <a:pt x="6066822" y="3411812"/>
+                  <a:pt x="11301259" y="6046174"/>
                 </a:lnTo>
                 <a:lnTo>
-                  <a:pt x="0" y="3411812"/>
+                  <a:pt x="0" y="6046174"/>
                 </a:lnTo>
                 <a:lnTo>
                   <a:pt x="0" y="0"/>
@@ -7198,7 +7352,7 @@
           <a:blipFill>
             <a:blip r:embed="rId2"/>
             <a:stretch>
-              <a:fillRect l="0" t="0" r="0" b="-100000"/>
+              <a:fillRect l="0" t="0" r="0" b="0"/>
             </a:stretch>
           </a:blipFill>
         </p:spPr>
@@ -7211,8 +7365,8 @@
         </p:nvSpPr>
         <p:spPr>
           <a:xfrm flipH="false" flipV="false" rot="0">
-            <a:off x="6210140" y="7706443"/>
-            <a:ext cx="6066822" cy="2580557"/>
+            <a:off x="8131964" y="152851"/>
+            <a:ext cx="9986623" cy="8280048"/>
           </a:xfrm>
           <a:custGeom>
             <a:avLst/>
@@ -7221,18 +7375,279 @@
             <a:cxnLst/>
             <a:rect r="r" b="b" t="t" l="l"/>
             <a:pathLst>
-              <a:path h="2580557" w="6066822">
+              <a:path h="8280048" w="9986623">
                 <a:moveTo>
                   <a:pt x="0" y="0"/>
                 </a:moveTo>
                 <a:lnTo>
-                  <a:pt x="6066822" y="0"/>
+                  <a:pt x="9986623" y="0"/>
                 </a:lnTo>
                 <a:lnTo>
-                  <a:pt x="6066822" y="2580557"/>
+                  <a:pt x="9986623" y="8280048"/>
                 </a:lnTo>
                 <a:lnTo>
-                  <a:pt x="0" y="2580557"/>
+                  <a:pt x="0" y="8280048"/>
+                </a:lnTo>
+                <a:lnTo>
+                  <a:pt x="0" y="0"/>
+                </a:lnTo>
+                <a:close/>
+              </a:path>
+            </a:pathLst>
+          </a:custGeom>
+          <a:blipFill>
+            <a:blip r:embed="rId3"/>
+            <a:stretch>
+              <a:fillRect l="0" t="0" r="0" b="0"/>
+            </a:stretch>
+          </a:blipFill>
+        </p:spPr>
+      </p:sp>
+      <p:sp>
+        <p:nvSpPr>
+          <p:cNvPr name="TextBox 7" id="7"/>
+          <p:cNvSpPr txBox="true"/>
+          <p:nvPr/>
+        </p:nvSpPr>
+        <p:spPr>
+          <a:xfrm rot="0">
+            <a:off x="1317234" y="752475"/>
+            <a:ext cx="4306044" cy="2646045"/>
+          </a:xfrm>
+          <a:prstGeom prst="rect">
+            <a:avLst/>
+          </a:prstGeom>
+        </p:spPr>
+        <p:txBody>
+          <a:bodyPr anchor="t" rtlCol="false" tIns="0" lIns="0" bIns="0" rIns="0">
+            <a:spAutoFit/>
+          </a:bodyPr>
+          <a:lstStyle/>
+          <a:p>
+            <a:pPr algn="l">
+              <a:lnSpc>
+                <a:spcPts val="10080"/>
+              </a:lnSpc>
+            </a:pPr>
+            <a:r>
+              <a:rPr lang="en-US" sz="7200" b="true">
+                <a:solidFill>
+                  <a:srgbClr val="38B6FF"/>
+                </a:solidFill>
+                <a:latin typeface="Times New Roman Bold"/>
+                <a:ea typeface="Times New Roman Bold"/>
+                <a:cs typeface="Times New Roman Bold"/>
+                <a:sym typeface="Times New Roman Bold"/>
+              </a:rPr>
+              <a:t>Code</a:t>
+            </a:r>
+          </a:p>
+          <a:p>
+            <a:pPr algn="l">
+              <a:lnSpc>
+                <a:spcPts val="10080"/>
+              </a:lnSpc>
+            </a:pPr>
+            <a:r>
+              <a:rPr lang="en-US" sz="7200" b="true">
+                <a:solidFill>
+                  <a:srgbClr val="38B6FF"/>
+                </a:solidFill>
+                <a:latin typeface="Times New Roman Bold"/>
+                <a:ea typeface="Times New Roman Bold"/>
+                <a:cs typeface="Times New Roman Bold"/>
+                <a:sym typeface="Times New Roman Bold"/>
+              </a:rPr>
+              <a:t>Breakdown</a:t>
+            </a:r>
+          </a:p>
+        </p:txBody>
+      </p:sp>
+    </p:spTree>
+  </p:cSld>
+  <p:clrMapOvr>
+    <a:masterClrMapping/>
+  </p:clrMapOvr>
+</p:sld>
+</file>
+
+<file path=ppt/slides/slide6.xml><?xml version="1.0" encoding="utf-8"?>
+<p:sld xmlns:p="http://schemas.openxmlformats.org/presentationml/2006/main" xmlns:a="http://schemas.openxmlformats.org/drawingml/2006/main" xmlns:r="http://schemas.openxmlformats.org/officeDocument/2006/relationships">
+  <p:cSld>
+    <p:spTree>
+      <p:nvGrpSpPr>
+        <p:cNvPr id="1" name=""/>
+        <p:cNvGrpSpPr/>
+        <p:nvPr/>
+      </p:nvGrpSpPr>
+      <p:grpSpPr>
+        <a:xfrm>
+          <a:off x="0" y="0"/>
+          <a:ext cx="0" cy="0"/>
+          <a:chOff x="0" y="0"/>
+          <a:chExt cx="0" cy="0"/>
+        </a:xfrm>
+      </p:grpSpPr>
+      <p:grpSp>
+        <p:nvGrpSpPr>
+          <p:cNvPr name="Group 2" id="2"/>
+          <p:cNvGrpSpPr/>
+          <p:nvPr/>
+        </p:nvGrpSpPr>
+        <p:grpSpPr>
+          <a:xfrm rot="0">
+            <a:off x="143318" y="127394"/>
+            <a:ext cx="17975269" cy="9981298"/>
+            <a:chOff x="0" y="0"/>
+            <a:chExt cx="4734227" cy="2628819"/>
+          </a:xfrm>
+        </p:grpSpPr>
+        <p:sp>
+          <p:nvSpPr>
+            <p:cNvPr name="Freeform 3" id="3"/>
+            <p:cNvSpPr/>
+            <p:nvPr/>
+          </p:nvSpPr>
+          <p:spPr>
+            <a:xfrm flipH="false" flipV="false" rot="0">
+              <a:off x="0" y="0"/>
+              <a:ext cx="4734227" cy="2628819"/>
+            </a:xfrm>
+            <a:custGeom>
+              <a:avLst/>
+              <a:gdLst/>
+              <a:ahLst/>
+              <a:cxnLst/>
+              <a:rect r="r" b="b" t="t" l="l"/>
+              <a:pathLst>
+                <a:path h="2628819" w="4734227">
+                  <a:moveTo>
+                    <a:pt x="21966" y="0"/>
+                  </a:moveTo>
+                  <a:lnTo>
+                    <a:pt x="4712262" y="0"/>
+                  </a:lnTo>
+                  <a:cubicBezTo>
+                    <a:pt x="4718087" y="0"/>
+                    <a:pt x="4723674" y="2314"/>
+                    <a:pt x="4727794" y="6434"/>
+                  </a:cubicBezTo>
+                  <a:cubicBezTo>
+                    <a:pt x="4731913" y="10553"/>
+                    <a:pt x="4734227" y="16140"/>
+                    <a:pt x="4734227" y="21966"/>
+                  </a:cubicBezTo>
+                  <a:lnTo>
+                    <a:pt x="4734227" y="2606854"/>
+                  </a:lnTo>
+                  <a:cubicBezTo>
+                    <a:pt x="4734227" y="2618985"/>
+                    <a:pt x="4724393" y="2628819"/>
+                    <a:pt x="4712262" y="2628819"/>
+                  </a:cubicBezTo>
+                  <a:lnTo>
+                    <a:pt x="21966" y="2628819"/>
+                  </a:lnTo>
+                  <a:cubicBezTo>
+                    <a:pt x="16140" y="2628819"/>
+                    <a:pt x="10553" y="2626505"/>
+                    <a:pt x="6434" y="2622386"/>
+                  </a:cubicBezTo>
+                  <a:cubicBezTo>
+                    <a:pt x="2314" y="2618266"/>
+                    <a:pt x="0" y="2612679"/>
+                    <a:pt x="0" y="2606854"/>
+                  </a:cubicBezTo>
+                  <a:lnTo>
+                    <a:pt x="0" y="21966"/>
+                  </a:lnTo>
+                  <a:cubicBezTo>
+                    <a:pt x="0" y="16140"/>
+                    <a:pt x="2314" y="10553"/>
+                    <a:pt x="6434" y="6434"/>
+                  </a:cubicBezTo>
+                  <a:cubicBezTo>
+                    <a:pt x="10553" y="2314"/>
+                    <a:pt x="16140" y="0"/>
+                    <a:pt x="21966" y="0"/>
+                  </a:cubicBezTo>
+                  <a:close/>
+                </a:path>
+              </a:pathLst>
+            </a:custGeom>
+            <a:solidFill>
+              <a:srgbClr val="FFFFFF"/>
+            </a:solidFill>
+            <a:ln w="238125" cap="rnd">
+              <a:solidFill>
+                <a:srgbClr val="919191"/>
+              </a:solidFill>
+              <a:prstDash val="solid"/>
+              <a:round/>
+            </a:ln>
+          </p:spPr>
+        </p:sp>
+        <p:sp>
+          <p:nvSpPr>
+            <p:cNvPr name="TextBox 4" id="4"/>
+            <p:cNvSpPr txBox="true"/>
+            <p:nvPr/>
+          </p:nvSpPr>
+          <p:spPr>
+            <a:xfrm>
+              <a:off x="0" y="-38100"/>
+              <a:ext cx="4734227" cy="2666919"/>
+            </a:xfrm>
+            <a:prstGeom prst="rect">
+              <a:avLst/>
+            </a:prstGeom>
+          </p:spPr>
+          <p:txBody>
+            <a:bodyPr anchor="ctr" rtlCol="false" tIns="50800" lIns="50800" bIns="50800" rIns="50800"/>
+            <a:lstStyle/>
+            <a:p>
+              <a:pPr algn="ctr">
+                <a:lnSpc>
+                  <a:spcPts val="2659"/>
+                </a:lnSpc>
+                <a:spcBef>
+                  <a:spcPct val="0"/>
+                </a:spcBef>
+              </a:pPr>
+            </a:p>
+          </p:txBody>
+        </p:sp>
+      </p:grpSp>
+      <p:sp>
+        <p:nvSpPr>
+          <p:cNvPr name="Freeform 5" id="5"/>
+          <p:cNvSpPr/>
+          <p:nvPr/>
+        </p:nvSpPr>
+        <p:spPr>
+          <a:xfrm flipH="false" flipV="false" rot="0">
+            <a:off x="0" y="6159401"/>
+            <a:ext cx="6280228" cy="4127599"/>
+          </a:xfrm>
+          <a:custGeom>
+            <a:avLst/>
+            <a:gdLst/>
+            <a:ahLst/>
+            <a:cxnLst/>
+            <a:rect r="r" b="b" t="t" l="l"/>
+            <a:pathLst>
+              <a:path h="4127599" w="6280228">
+                <a:moveTo>
+                  <a:pt x="0" y="0"/>
+                </a:moveTo>
+                <a:lnTo>
+                  <a:pt x="6280228" y="0"/>
+                </a:lnTo>
+                <a:lnTo>
+                  <a:pt x="6280228" y="4127599"/>
+                </a:lnTo>
+                <a:lnTo>
+                  <a:pt x="0" y="4127599"/>
                 </a:lnTo>
                 <a:lnTo>
                   <a:pt x="0" y="0"/>
@@ -7244,14 +7659,14 @@
           <a:blipFill>
             <a:blip r:embed="rId2"/>
             <a:stretch>
-              <a:fillRect l="0" t="-131272" r="0" b="-33152"/>
+              <a:fillRect l="0" t="0" r="0" b="-46112"/>
             </a:stretch>
           </a:blipFill>
         </p:spPr>
       </p:sp>
       <p:sp>
         <p:nvSpPr>
-          <p:cNvPr name="Freeform 7" id="7"/>
+          <p:cNvPr name="Freeform 6" id="6"/>
           <p:cNvSpPr/>
           <p:nvPr/>
         </p:nvSpPr>
@@ -7297,7 +7712,7 @@
       </p:sp>
       <p:sp>
         <p:nvSpPr>
-          <p:cNvPr name="Freeform 8" id="8"/>
+          <p:cNvPr name="Freeform 7" id="7"/>
           <p:cNvSpPr/>
           <p:nvPr/>
         </p:nvSpPr>
@@ -7343,6 +7758,52 @@
       </p:sp>
       <p:sp>
         <p:nvSpPr>
+          <p:cNvPr name="Freeform 8" id="8"/>
+          <p:cNvSpPr/>
+          <p:nvPr/>
+        </p:nvSpPr>
+        <p:spPr>
+          <a:xfrm flipH="false" flipV="false" rot="0">
+            <a:off x="6280228" y="7706443"/>
+            <a:ext cx="5756158" cy="2580557"/>
+          </a:xfrm>
+          <a:custGeom>
+            <a:avLst/>
+            <a:gdLst/>
+            <a:ahLst/>
+            <a:cxnLst/>
+            <a:rect r="r" b="b" t="t" l="l"/>
+            <a:pathLst>
+              <a:path h="2580557" w="5756158">
+                <a:moveTo>
+                  <a:pt x="0" y="0"/>
+                </a:moveTo>
+                <a:lnTo>
+                  <a:pt x="5756158" y="0"/>
+                </a:lnTo>
+                <a:lnTo>
+                  <a:pt x="5756158" y="2580557"/>
+                </a:lnTo>
+                <a:lnTo>
+                  <a:pt x="0" y="2580557"/>
+                </a:lnTo>
+                <a:lnTo>
+                  <a:pt x="0" y="0"/>
+                </a:lnTo>
+                <a:close/>
+              </a:path>
+            </a:pathLst>
+          </a:custGeom>
+          <a:blipFill>
+            <a:blip r:embed="rId5"/>
+            <a:stretch>
+              <a:fillRect l="0" t="-38140" r="0" b="0"/>
+            </a:stretch>
+          </a:blipFill>
+        </p:spPr>
+      </p:sp>
+      <p:sp>
+        <p:nvSpPr>
           <p:cNvPr name="TextBox 9" id="9"/>
           <p:cNvSpPr txBox="true"/>
           <p:nvPr/>
@@ -7409,7 +7870,480 @@
 </p:sld>
 </file>
 
-<file path=ppt/slides/slide6.xml><?xml version="1.0" encoding="utf-8"?>
+<file path=ppt/slides/slide7.xml><?xml version="1.0" encoding="utf-8"?>
+<p:sld xmlns:p="http://schemas.openxmlformats.org/presentationml/2006/main" xmlns:a="http://schemas.openxmlformats.org/drawingml/2006/main">
+  <p:cSld>
+    <p:spTree>
+      <p:nvGrpSpPr>
+        <p:cNvPr id="1" name=""/>
+        <p:cNvGrpSpPr/>
+        <p:nvPr/>
+      </p:nvGrpSpPr>
+      <p:grpSpPr>
+        <a:xfrm>
+          <a:off x="0" y="0"/>
+          <a:ext cx="0" cy="0"/>
+          <a:chOff x="0" y="0"/>
+          <a:chExt cx="0" cy="0"/>
+        </a:xfrm>
+      </p:grpSpPr>
+      <p:grpSp>
+        <p:nvGrpSpPr>
+          <p:cNvPr name="Group 2" id="2"/>
+          <p:cNvGrpSpPr/>
+          <p:nvPr/>
+        </p:nvGrpSpPr>
+        <p:grpSpPr>
+          <a:xfrm rot="0">
+            <a:off x="143318" y="127394"/>
+            <a:ext cx="17975269" cy="9981298"/>
+            <a:chOff x="0" y="0"/>
+            <a:chExt cx="4734227" cy="2628819"/>
+          </a:xfrm>
+        </p:grpSpPr>
+        <p:sp>
+          <p:nvSpPr>
+            <p:cNvPr name="Freeform 3" id="3"/>
+            <p:cNvSpPr/>
+            <p:nvPr/>
+          </p:nvSpPr>
+          <p:spPr>
+            <a:xfrm flipH="false" flipV="false" rot="0">
+              <a:off x="0" y="0"/>
+              <a:ext cx="4734227" cy="2628819"/>
+            </a:xfrm>
+            <a:custGeom>
+              <a:avLst/>
+              <a:gdLst/>
+              <a:ahLst/>
+              <a:cxnLst/>
+              <a:rect r="r" b="b" t="t" l="l"/>
+              <a:pathLst>
+                <a:path h="2628819" w="4734227">
+                  <a:moveTo>
+                    <a:pt x="21966" y="0"/>
+                  </a:moveTo>
+                  <a:lnTo>
+                    <a:pt x="4712262" y="0"/>
+                  </a:lnTo>
+                  <a:cubicBezTo>
+                    <a:pt x="4718087" y="0"/>
+                    <a:pt x="4723674" y="2314"/>
+                    <a:pt x="4727794" y="6434"/>
+                  </a:cubicBezTo>
+                  <a:cubicBezTo>
+                    <a:pt x="4731913" y="10553"/>
+                    <a:pt x="4734227" y="16140"/>
+                    <a:pt x="4734227" y="21966"/>
+                  </a:cubicBezTo>
+                  <a:lnTo>
+                    <a:pt x="4734227" y="2606854"/>
+                  </a:lnTo>
+                  <a:cubicBezTo>
+                    <a:pt x="4734227" y="2618985"/>
+                    <a:pt x="4724393" y="2628819"/>
+                    <a:pt x="4712262" y="2628819"/>
+                  </a:cubicBezTo>
+                  <a:lnTo>
+                    <a:pt x="21966" y="2628819"/>
+                  </a:lnTo>
+                  <a:cubicBezTo>
+                    <a:pt x="16140" y="2628819"/>
+                    <a:pt x="10553" y="2626505"/>
+                    <a:pt x="6434" y="2622386"/>
+                  </a:cubicBezTo>
+                  <a:cubicBezTo>
+                    <a:pt x="2314" y="2618266"/>
+                    <a:pt x="0" y="2612679"/>
+                    <a:pt x="0" y="2606854"/>
+                  </a:cubicBezTo>
+                  <a:lnTo>
+                    <a:pt x="0" y="21966"/>
+                  </a:lnTo>
+                  <a:cubicBezTo>
+                    <a:pt x="0" y="16140"/>
+                    <a:pt x="2314" y="10553"/>
+                    <a:pt x="6434" y="6434"/>
+                  </a:cubicBezTo>
+                  <a:cubicBezTo>
+                    <a:pt x="10553" y="2314"/>
+                    <a:pt x="16140" y="0"/>
+                    <a:pt x="21966" y="0"/>
+                  </a:cubicBezTo>
+                  <a:close/>
+                </a:path>
+              </a:pathLst>
+            </a:custGeom>
+            <a:solidFill>
+              <a:srgbClr val="FFFFFF"/>
+            </a:solidFill>
+            <a:ln w="238125" cap="rnd">
+              <a:solidFill>
+                <a:srgbClr val="919191"/>
+              </a:solidFill>
+              <a:prstDash val="solid"/>
+              <a:round/>
+            </a:ln>
+          </p:spPr>
+        </p:sp>
+        <p:sp>
+          <p:nvSpPr>
+            <p:cNvPr name="TextBox 4" id="4"/>
+            <p:cNvSpPr txBox="true"/>
+            <p:nvPr/>
+          </p:nvSpPr>
+          <p:spPr>
+            <a:xfrm>
+              <a:off x="0" y="-38100"/>
+              <a:ext cx="4734227" cy="2666919"/>
+            </a:xfrm>
+            <a:prstGeom prst="rect">
+              <a:avLst/>
+            </a:prstGeom>
+          </p:spPr>
+          <p:txBody>
+            <a:bodyPr anchor="ctr" rtlCol="false" tIns="50800" lIns="50800" bIns="50800" rIns="50800"/>
+            <a:lstStyle/>
+            <a:p>
+              <a:pPr algn="ctr">
+                <a:lnSpc>
+                  <a:spcPts val="2659"/>
+                </a:lnSpc>
+                <a:spcBef>
+                  <a:spcPct val="0"/>
+                </a:spcBef>
+              </a:pPr>
+            </a:p>
+          </p:txBody>
+        </p:sp>
+      </p:grpSp>
+      <p:sp>
+        <p:nvSpPr>
+          <p:cNvPr name="TextBox 5" id="5"/>
+          <p:cNvSpPr txBox="true"/>
+          <p:nvPr/>
+        </p:nvSpPr>
+        <p:spPr>
+          <a:xfrm rot="0">
+            <a:off x="6576566" y="250450"/>
+            <a:ext cx="5134868" cy="1747519"/>
+          </a:xfrm>
+          <a:prstGeom prst="rect">
+            <a:avLst/>
+          </a:prstGeom>
+        </p:spPr>
+        <p:txBody>
+          <a:bodyPr anchor="t" rtlCol="false" tIns="0" lIns="0" bIns="0" rIns="0">
+            <a:spAutoFit/>
+          </a:bodyPr>
+          <a:lstStyle/>
+          <a:p>
+            <a:pPr algn="l">
+              <a:lnSpc>
+                <a:spcPts val="12880"/>
+              </a:lnSpc>
+            </a:pPr>
+            <a:r>
+              <a:rPr lang="en-US" sz="9200" b="true">
+                <a:solidFill>
+                  <a:srgbClr val="38B6FF"/>
+                </a:solidFill>
+                <a:latin typeface="Times New Roman Bold"/>
+                <a:ea typeface="Times New Roman Bold"/>
+                <a:cs typeface="Times New Roman Bold"/>
+                <a:sym typeface="Times New Roman Bold"/>
+              </a:rPr>
+              <a:t>Iteration 0</a:t>
+            </a:r>
+          </a:p>
+        </p:txBody>
+      </p:sp>
+      <p:grpSp>
+        <p:nvGrpSpPr>
+          <p:cNvPr name="Group 6" id="6"/>
+          <p:cNvGrpSpPr/>
+          <p:nvPr/>
+        </p:nvGrpSpPr>
+        <p:grpSpPr>
+          <a:xfrm rot="0">
+            <a:off x="2493968" y="2093220"/>
+            <a:ext cx="12971652" cy="5005649"/>
+            <a:chOff x="0" y="0"/>
+            <a:chExt cx="17295536" cy="6674198"/>
+          </a:xfrm>
+        </p:grpSpPr>
+        <p:grpSp>
+          <p:nvGrpSpPr>
+            <p:cNvPr name="Group 7" id="7"/>
+            <p:cNvGrpSpPr/>
+            <p:nvPr/>
+          </p:nvGrpSpPr>
+          <p:grpSpPr>
+            <a:xfrm rot="0">
+              <a:off x="0" y="0"/>
+              <a:ext cx="17295536" cy="6674198"/>
+              <a:chOff x="0" y="0"/>
+              <a:chExt cx="2932673" cy="1131693"/>
+            </a:xfrm>
+          </p:grpSpPr>
+          <p:sp>
+            <p:nvSpPr>
+              <p:cNvPr name="Freeform 8" id="8"/>
+              <p:cNvSpPr/>
+              <p:nvPr/>
+            </p:nvSpPr>
+            <p:spPr>
+              <a:xfrm flipH="false" flipV="false" rot="0">
+                <a:off x="0" y="0"/>
+                <a:ext cx="2932673" cy="1131693"/>
+              </a:xfrm>
+              <a:custGeom>
+                <a:avLst/>
+                <a:gdLst/>
+                <a:ahLst/>
+                <a:cxnLst/>
+                <a:rect r="r" b="b" t="t" l="l"/>
+                <a:pathLst>
+                  <a:path h="1131693" w="2932673">
+                    <a:moveTo>
+                      <a:pt x="35459" y="0"/>
+                    </a:moveTo>
+                    <a:lnTo>
+                      <a:pt x="2897214" y="0"/>
+                    </a:lnTo>
+                    <a:cubicBezTo>
+                      <a:pt x="2906618" y="0"/>
+                      <a:pt x="2915637" y="3736"/>
+                      <a:pt x="2922287" y="10386"/>
+                    </a:cubicBezTo>
+                    <a:cubicBezTo>
+                      <a:pt x="2928937" y="17036"/>
+                      <a:pt x="2932673" y="26055"/>
+                      <a:pt x="2932673" y="35459"/>
+                    </a:cubicBezTo>
+                    <a:lnTo>
+                      <a:pt x="2932673" y="1096234"/>
+                    </a:lnTo>
+                    <a:cubicBezTo>
+                      <a:pt x="2932673" y="1105638"/>
+                      <a:pt x="2928937" y="1114658"/>
+                      <a:pt x="2922287" y="1121307"/>
+                    </a:cubicBezTo>
+                    <a:cubicBezTo>
+                      <a:pt x="2915637" y="1127957"/>
+                      <a:pt x="2906618" y="1131693"/>
+                      <a:pt x="2897214" y="1131693"/>
+                    </a:cubicBezTo>
+                    <a:lnTo>
+                      <a:pt x="35459" y="1131693"/>
+                    </a:lnTo>
+                    <a:cubicBezTo>
+                      <a:pt x="26055" y="1131693"/>
+                      <a:pt x="17036" y="1127957"/>
+                      <a:pt x="10386" y="1121307"/>
+                    </a:cubicBezTo>
+                    <a:cubicBezTo>
+                      <a:pt x="3736" y="1114658"/>
+                      <a:pt x="0" y="1105638"/>
+                      <a:pt x="0" y="1096234"/>
+                    </a:cubicBezTo>
+                    <a:lnTo>
+                      <a:pt x="0" y="35459"/>
+                    </a:lnTo>
+                    <a:cubicBezTo>
+                      <a:pt x="0" y="26055"/>
+                      <a:pt x="3736" y="17036"/>
+                      <a:pt x="10386" y="10386"/>
+                    </a:cubicBezTo>
+                    <a:cubicBezTo>
+                      <a:pt x="17036" y="3736"/>
+                      <a:pt x="26055" y="0"/>
+                      <a:pt x="35459" y="0"/>
+                    </a:cubicBezTo>
+                    <a:close/>
+                  </a:path>
+                </a:pathLst>
+              </a:custGeom>
+              <a:solidFill>
+                <a:srgbClr val="38B6FF"/>
+              </a:solidFill>
+              <a:ln w="19050" cap="rnd">
+                <a:solidFill>
+                  <a:srgbClr val="000000"/>
+                </a:solidFill>
+                <a:prstDash val="solid"/>
+                <a:round/>
+              </a:ln>
+            </p:spPr>
+          </p:sp>
+          <p:sp>
+            <p:nvSpPr>
+              <p:cNvPr name="TextBox 9" id="9"/>
+              <p:cNvSpPr txBox="true"/>
+              <p:nvPr/>
+            </p:nvSpPr>
+            <p:spPr>
+              <a:xfrm>
+                <a:off x="0" y="-38100"/>
+                <a:ext cx="2932673" cy="1169793"/>
+              </a:xfrm>
+              <a:prstGeom prst="rect">
+                <a:avLst/>
+              </a:prstGeom>
+            </p:spPr>
+            <p:txBody>
+              <a:bodyPr anchor="ctr" rtlCol="false" tIns="50800" lIns="50800" bIns="50800" rIns="50800"/>
+              <a:lstStyle/>
+              <a:p>
+                <a:pPr algn="ctr">
+                  <a:lnSpc>
+                    <a:spcPts val="2659"/>
+                  </a:lnSpc>
+                </a:pPr>
+              </a:p>
+            </p:txBody>
+          </p:sp>
+        </p:grpSp>
+        <p:sp>
+          <p:nvSpPr>
+            <p:cNvPr name="TextBox 10" id="10"/>
+            <p:cNvSpPr txBox="true"/>
+            <p:nvPr/>
+          </p:nvSpPr>
+          <p:spPr>
+            <a:xfrm rot="0">
+              <a:off x="6205714" y="-11487"/>
+              <a:ext cx="4884108" cy="502939"/>
+            </a:xfrm>
+            <a:prstGeom prst="rect">
+              <a:avLst/>
+            </a:prstGeom>
+          </p:spPr>
+          <p:txBody>
+            <a:bodyPr anchor="t" rtlCol="false" tIns="0" lIns="0" bIns="0" rIns="0">
+              <a:spAutoFit/>
+            </a:bodyPr>
+            <a:lstStyle/>
+            <a:p>
+              <a:pPr algn="ctr">
+                <a:lnSpc>
+                  <a:spcPts val="2935"/>
+                </a:lnSpc>
+              </a:pPr>
+            </a:p>
+          </p:txBody>
+        </p:sp>
+      </p:grpSp>
+      <p:sp>
+        <p:nvSpPr>
+          <p:cNvPr name="TextBox 11" id="11"/>
+          <p:cNvSpPr txBox="true"/>
+          <p:nvPr/>
+        </p:nvSpPr>
+        <p:spPr>
+          <a:xfrm rot="0">
+            <a:off x="4182269" y="7660843"/>
+            <a:ext cx="9897368" cy="1864361"/>
+          </a:xfrm>
+          <a:prstGeom prst="rect">
+            <a:avLst/>
+          </a:prstGeom>
+        </p:spPr>
+        <p:txBody>
+          <a:bodyPr anchor="t" rtlCol="false" tIns="0" lIns="0" bIns="0" rIns="0">
+            <a:spAutoFit/>
+          </a:bodyPr>
+          <a:lstStyle/>
+          <a:p>
+            <a:pPr algn="l">
+              <a:lnSpc>
+                <a:spcPts val="6320"/>
+              </a:lnSpc>
+            </a:pPr>
+            <a:r>
+              <a:rPr lang="en-US" sz="8000" b="true">
+                <a:solidFill>
+                  <a:srgbClr val="38B6FF"/>
+                </a:solidFill>
+                <a:latin typeface="Times New Roman Bold"/>
+                <a:ea typeface="Times New Roman Bold"/>
+                <a:cs typeface="Times New Roman Bold"/>
+                <a:sym typeface="Times New Roman Bold"/>
+              </a:rPr>
+              <a:t>De Guzman, Aero Kent</a:t>
+            </a:r>
+          </a:p>
+          <a:p>
+            <a:pPr algn="ctr">
+              <a:lnSpc>
+                <a:spcPts val="6320"/>
+              </a:lnSpc>
+            </a:pPr>
+            <a:r>
+              <a:rPr lang="en-US" sz="8000" b="true">
+                <a:solidFill>
+                  <a:srgbClr val="38B6FF"/>
+                </a:solidFill>
+                <a:latin typeface="Times New Roman Bold"/>
+                <a:ea typeface="Times New Roman Bold"/>
+                <a:cs typeface="Times New Roman Bold"/>
+                <a:sym typeface="Times New Roman Bold"/>
+              </a:rPr>
+              <a:t>Frederick Masangkay</a:t>
+            </a:r>
+          </a:p>
+        </p:txBody>
+      </p:sp>
+      <p:sp>
+        <p:nvSpPr>
+          <p:cNvPr name="TextBox 12" id="12"/>
+          <p:cNvSpPr txBox="true"/>
+          <p:nvPr/>
+        </p:nvSpPr>
+        <p:spPr>
+          <a:xfrm rot="0">
+            <a:off x="3396552" y="1902606"/>
+            <a:ext cx="11166483" cy="4882050"/>
+          </a:xfrm>
+          <a:prstGeom prst="rect">
+            <a:avLst/>
+          </a:prstGeom>
+        </p:spPr>
+        <p:txBody>
+          <a:bodyPr anchor="t" rtlCol="false" tIns="0" lIns="0" bIns="0" rIns="0">
+            <a:spAutoFit/>
+          </a:bodyPr>
+          <a:lstStyle/>
+          <a:p>
+            <a:pPr algn="ctr">
+              <a:lnSpc>
+                <a:spcPts val="18591"/>
+              </a:lnSpc>
+            </a:pPr>
+            <a:r>
+              <a:rPr lang="en-US" sz="13279" b="true">
+                <a:solidFill>
+                  <a:srgbClr val="000000"/>
+                </a:solidFill>
+                <a:latin typeface="Times New Roman Bold"/>
+                <a:ea typeface="Times New Roman Bold"/>
+                <a:cs typeface="Times New Roman Bold"/>
+                <a:sym typeface="Times New Roman Bold"/>
+              </a:rPr>
+              <a:t>Golden Hours Survival Rate</a:t>
+            </a:r>
+          </a:p>
+        </p:txBody>
+      </p:sp>
+    </p:spTree>
+  </p:cSld>
+  <p:clrMapOvr>
+    <a:masterClrMapping/>
+  </p:clrMapOvr>
+</p:sld>
+</file>
+
+<file path=ppt/slides/slide8.xml><?xml version="1.0" encoding="utf-8"?>
 <p:sld xmlns:p="http://schemas.openxmlformats.org/presentationml/2006/main" xmlns:a="http://schemas.openxmlformats.org/drawingml/2006/main">
   <p:cSld>
     <p:spTree>
